--- a/Documents/Winter Presentation.pptx
+++ b/Documents/Winter Presentation.pptx
@@ -5,7 +5,7 @@
     <p:sldMasterId id="2147483720" r:id="rId1"/>
   </p:sldMasterIdLst>
   <p:notesMasterIdLst>
-    <p:notesMasterId r:id="rId17"/>
+    <p:notesMasterId r:id="rId18"/>
   </p:notesMasterIdLst>
   <p:sldIdLst>
     <p:sldId id="256" r:id="rId2"/>
@@ -14,15 +14,16 @@
     <p:sldId id="267" r:id="rId5"/>
     <p:sldId id="259" r:id="rId6"/>
     <p:sldId id="268" r:id="rId7"/>
-    <p:sldId id="258" r:id="rId8"/>
+    <p:sldId id="279" r:id="rId8"/>
     <p:sldId id="269" r:id="rId9"/>
-    <p:sldId id="274" r:id="rId10"/>
+    <p:sldId id="275" r:id="rId10"/>
     <p:sldId id="270" r:id="rId11"/>
-    <p:sldId id="271" r:id="rId12"/>
-    <p:sldId id="275" r:id="rId13"/>
-    <p:sldId id="272" r:id="rId14"/>
-    <p:sldId id="273" r:id="rId15"/>
-    <p:sldId id="261" r:id="rId16"/>
+    <p:sldId id="277" r:id="rId12"/>
+    <p:sldId id="278" r:id="rId13"/>
+    <p:sldId id="276" r:id="rId14"/>
+    <p:sldId id="272" r:id="rId15"/>
+    <p:sldId id="273" r:id="rId16"/>
+    <p:sldId id="261" r:id="rId17"/>
   </p:sldIdLst>
   <p:sldSz cx="9144000" cy="6858000" type="screen4x3"/>
   <p:notesSz cx="6858000" cy="9144000"/>
@@ -206,7 +207,7 @@
           <a:p>
             <a:fld id="{67A4EB17-C5FC-49D1-A71D-C9F02B1D23E4}" type="datetimeFigureOut">
               <a:rPr lang="en-US" smtClean="0"/>
-              <a:t>1/28/2013</a:t>
+              <a:t>1/29/2013</a:t>
             </a:fld>
             <a:endParaRPr lang="en-US"/>
           </a:p>
@@ -695,6 +696,15 @@
           <a:p>
             <a:r>
               <a:rPr lang="en-US" dirty="0" smtClean="0"/>
+              <a:t>Explain what the nodes represent</a:t>
+            </a:r>
+          </a:p>
+          <a:p>
+            <a:endParaRPr lang="en-US" dirty="0" smtClean="0"/>
+          </a:p>
+          <a:p>
+            <a:r>
+              <a:rPr lang="en-US" dirty="0" smtClean="0"/>
               <a:t>Kurtis</a:t>
             </a:r>
             <a:endParaRPr lang="en-US" dirty="0"/>
@@ -871,7 +881,7 @@
           <a:p>
             <a:r>
               <a:rPr lang="en-US" dirty="0" smtClean="0"/>
-              <a:t>Richard</a:t>
+              <a:t>Kurtis</a:t>
             </a:r>
             <a:endParaRPr lang="en-US" dirty="0"/>
           </a:p>
@@ -903,7 +913,7 @@
     </p:spTree>
     <p:extLst>
       <p:ext uri="{BB962C8B-B14F-4D97-AF65-F5344CB8AC3E}">
-        <p14:creationId xmlns:p14="http://schemas.microsoft.com/office/powerpoint/2010/main" val="4278555432"/>
+        <p14:creationId xmlns:p14="http://schemas.microsoft.com/office/powerpoint/2010/main" val="1009514641"/>
       </p:ext>
     </p:extLst>
   </p:cSld>
@@ -959,7 +969,34 @@
           <a:p>
             <a:r>
               <a:rPr lang="en-US" dirty="0" smtClean="0"/>
-              <a:t>Kurtis</a:t>
+              <a:t>Use IR-base approaches to narrow</a:t>
+            </a:r>
+            <a:r>
+              <a:rPr lang="en-US" baseline="0" dirty="0" smtClean="0"/>
+              <a:t> candidates, much faster (file/string matching). Or even AST-based approach</a:t>
+            </a:r>
+          </a:p>
+          <a:p>
+            <a:endParaRPr lang="en-US" dirty="0" smtClean="0"/>
+          </a:p>
+          <a:p>
+            <a:r>
+              <a:rPr lang="en-US" dirty="0" smtClean="0"/>
+              <a:t>Use-CFG to pinpoint edits, AST</a:t>
+            </a:r>
+            <a:r>
+              <a:rPr lang="en-US" baseline="0" dirty="0" smtClean="0"/>
+              <a:t> to make recommendations</a:t>
+            </a:r>
+            <a:endParaRPr lang="en-US" dirty="0" smtClean="0"/>
+          </a:p>
+          <a:p>
+            <a:endParaRPr lang="en-US" dirty="0" smtClean="0"/>
+          </a:p>
+          <a:p>
+            <a:r>
+              <a:rPr lang="en-US" dirty="0" smtClean="0"/>
+              <a:t>Richard</a:t>
             </a:r>
             <a:endParaRPr lang="en-US" dirty="0"/>
           </a:p>
@@ -991,7 +1028,7 @@
     </p:spTree>
     <p:extLst>
       <p:ext uri="{BB962C8B-B14F-4D97-AF65-F5344CB8AC3E}">
-        <p14:creationId xmlns:p14="http://schemas.microsoft.com/office/powerpoint/2010/main" val="3082753135"/>
+        <p14:creationId xmlns:p14="http://schemas.microsoft.com/office/powerpoint/2010/main" val="4278555432"/>
       </p:ext>
     </p:extLst>
   </p:cSld>
@@ -1045,6 +1082,102 @@
           <a:bodyPr/>
           <a:lstStyle/>
           <a:p>
+            <a:r>
+              <a:rPr lang="en-US" dirty="0" smtClean="0"/>
+              <a:t>Richard,</a:t>
+            </a:r>
+            <a:r>
+              <a:rPr lang="en-US" baseline="0" dirty="0" smtClean="0"/>
+              <a:t> then </a:t>
+            </a:r>
+            <a:r>
+              <a:rPr lang="en-US" dirty="0" smtClean="0"/>
+              <a:t>Kurtis</a:t>
+            </a:r>
+            <a:endParaRPr lang="en-US" dirty="0"/>
+          </a:p>
+        </p:txBody>
+      </p:sp>
+      <p:sp>
+        <p:nvSpPr>
+          <p:cNvPr id="4" name="Slide Number Placeholder 3"/>
+          <p:cNvSpPr>
+            <a:spLocks noGrp="1"/>
+          </p:cNvSpPr>
+          <p:nvPr>
+            <p:ph type="sldNum" sz="quarter" idx="10"/>
+          </p:nvPr>
+        </p:nvSpPr>
+        <p:spPr/>
+        <p:txBody>
+          <a:bodyPr/>
+          <a:lstStyle/>
+          <a:p>
+            <a:fld id="{8742AF28-0671-470C-9E39-9D2CA052E123}" type="slidenum">
+              <a:rPr lang="en-US" smtClean="0"/>
+              <a:t>15</a:t>
+            </a:fld>
+            <a:endParaRPr lang="en-US"/>
+          </a:p>
+        </p:txBody>
+      </p:sp>
+    </p:spTree>
+    <p:extLst>
+      <p:ext uri="{BB962C8B-B14F-4D97-AF65-F5344CB8AC3E}">
+        <p14:creationId xmlns:p14="http://schemas.microsoft.com/office/powerpoint/2010/main" val="3082753135"/>
+      </p:ext>
+    </p:extLst>
+  </p:cSld>
+  <p:clrMapOvr>
+    <a:masterClrMapping/>
+  </p:clrMapOvr>
+</p:notes>
+</file>
+
+<file path=ppt/notesSlides/notesSlide16.xml><?xml version="1.0" encoding="utf-8"?>
+<p:notes xmlns:a="http://schemas.openxmlformats.org/drawingml/2006/main" xmlns:r="http://schemas.openxmlformats.org/officeDocument/2006/relationships" xmlns:p="http://schemas.openxmlformats.org/presentationml/2006/main">
+  <p:cSld>
+    <p:spTree>
+      <p:nvGrpSpPr>
+        <p:cNvPr id="1" name=""/>
+        <p:cNvGrpSpPr/>
+        <p:nvPr/>
+      </p:nvGrpSpPr>
+      <p:grpSpPr>
+        <a:xfrm>
+          <a:off x="0" y="0"/>
+          <a:ext cx="0" cy="0"/>
+          <a:chOff x="0" y="0"/>
+          <a:chExt cx="0" cy="0"/>
+        </a:xfrm>
+      </p:grpSpPr>
+      <p:sp>
+        <p:nvSpPr>
+          <p:cNvPr id="2" name="Slide Image Placeholder 1"/>
+          <p:cNvSpPr>
+            <a:spLocks noGrp="1" noRot="1" noChangeAspect="1"/>
+          </p:cNvSpPr>
+          <p:nvPr>
+            <p:ph type="sldImg"/>
+          </p:nvPr>
+        </p:nvSpPr>
+        <p:spPr/>
+      </p:sp>
+      <p:sp>
+        <p:nvSpPr>
+          <p:cNvPr id="3" name="Notes Placeholder 2"/>
+          <p:cNvSpPr>
+            <a:spLocks noGrp="1"/>
+          </p:cNvSpPr>
+          <p:nvPr>
+            <p:ph type="body" idx="1"/>
+          </p:nvPr>
+        </p:nvSpPr>
+        <p:spPr/>
+        <p:txBody>
+          <a:bodyPr/>
+          <a:lstStyle/>
+          <a:p>
             <a:pPr marL="0" indent="0">
               <a:buFontTx/>
               <a:buNone/>
@@ -1074,7 +1207,7 @@
           <a:p>
             <a:fld id="{8742AF28-0671-470C-9E39-9D2CA052E123}" type="slidenum">
               <a:rPr lang="en-US" smtClean="0"/>
-              <a:t>15</a:t>
+              <a:t>16</a:t>
             </a:fld>
             <a:endParaRPr lang="en-US"/>
           </a:p>
@@ -1246,6 +1379,12 @@
           <a:p>
             <a:r>
               <a:rPr lang="en-US" dirty="0" smtClean="0"/>
+              <a:t>Left is AST, right is CFG</a:t>
+            </a:r>
+          </a:p>
+          <a:p>
+            <a:r>
+              <a:rPr lang="en-US" dirty="0" smtClean="0"/>
               <a:t>Richard</a:t>
             </a:r>
             <a:endParaRPr lang="en-US" dirty="0" smtClean="0"/>
@@ -1336,7 +1475,6 @@
               <a:rPr lang="en-US" dirty="0" smtClean="0"/>
               <a:t>Kurtis</a:t>
             </a:r>
-            <a:endParaRPr lang="en-US" dirty="0" smtClean="0"/>
           </a:p>
         </p:txBody>
       </p:sp>
@@ -1622,11 +1760,15 @@
             </a:pPr>
             <a:r>
               <a:rPr lang="en-US" dirty="0" smtClean="0"/>
-              <a:t>Progress</a:t>
-            </a:r>
-          </a:p>
-          <a:p>
-            <a:pPr marL="228600" marR="0" indent="-228600" algn="l" defTabSz="914400" rtl="0" eaLnBrk="1" fontAlgn="auto" latinLnBrk="0" hangingPunct="1">
+              <a:t>Say what we intended to do with PDL, and why we</a:t>
+            </a:r>
+            <a:r>
+              <a:rPr lang="en-US" baseline="0" dirty="0" smtClean="0"/>
+              <a:t> stopped:</a:t>
+            </a:r>
+          </a:p>
+          <a:p>
+            <a:pPr marL="0" marR="0" indent="0" algn="l" defTabSz="914400" rtl="0" eaLnBrk="1" fontAlgn="auto" latinLnBrk="0" hangingPunct="1">
               <a:lnSpc>
                 <a:spcPct val="100000"/>
               </a:lnSpc>
@@ -1639,17 +1781,17 @@
               <a:buClrTx/>
               <a:buSzTx/>
               <a:buFontTx/>
-              <a:buAutoNum type="arabicPeriod"/>
+              <a:buNone/>
               <a:tabLst/>
               <a:defRPr/>
             </a:pPr>
             <a:r>
-              <a:rPr lang="en-US" dirty="0" smtClean="0"/>
-              <a:t>Graph matching</a:t>
-            </a:r>
-          </a:p>
-          <a:p>
-            <a:pPr marL="228600" marR="0" indent="-228600" algn="l" defTabSz="914400" rtl="0" eaLnBrk="1" fontAlgn="auto" latinLnBrk="0" hangingPunct="1">
+              <a:rPr lang="en-US" baseline="0" dirty="0" smtClean="0"/>
+              <a:t>We’re replacing the PDL with an existing knowledge-base so that the user doesn’t need to learn a new language</a:t>
+            </a:r>
+          </a:p>
+          <a:p>
+            <a:pPr marL="0" marR="0" indent="0" algn="l" defTabSz="914400" rtl="0" eaLnBrk="1" fontAlgn="auto" latinLnBrk="0" hangingPunct="1">
               <a:lnSpc>
                 <a:spcPct val="100000"/>
               </a:lnSpc>
@@ -1662,37 +1804,15 @@
               <a:buClrTx/>
               <a:buSzTx/>
               <a:buFontTx/>
-              <a:buAutoNum type="arabicPeriod"/>
+              <a:buNone/>
               <a:tabLst/>
               <a:defRPr/>
             </a:pPr>
             <a:r>
-              <a:rPr lang="en-US" dirty="0" smtClean="0"/>
-              <a:t>Recommendations</a:t>
-            </a:r>
-          </a:p>
-          <a:p>
-            <a:pPr marL="228600" marR="0" indent="-228600" algn="l" defTabSz="914400" rtl="0" eaLnBrk="1" fontAlgn="auto" latinLnBrk="0" hangingPunct="1">
-              <a:lnSpc>
-                <a:spcPct val="100000"/>
-              </a:lnSpc>
-              <a:spcBef>
-                <a:spcPts val="0"/>
-              </a:spcBef>
-              <a:spcAft>
-                <a:spcPts val="0"/>
-              </a:spcAft>
-              <a:buClrTx/>
-              <a:buSzTx/>
-              <a:buFontTx/>
-              <a:buAutoNum type="arabicPeriod"/>
-              <a:tabLst/>
-              <a:defRPr/>
-            </a:pPr>
-            <a:r>
-              <a:rPr lang="en-US" dirty="0" smtClean="0"/>
-              <a:t>Eclipse</a:t>
-            </a:r>
+              <a:rPr lang="en-US" baseline="0" dirty="0" smtClean="0"/>
+              <a:t>We’d provide the source code in a repos that the user can add to as well, an added bonus</a:t>
+            </a:r>
+            <a:endParaRPr lang="en-US" dirty="0" smtClean="0"/>
           </a:p>
           <a:p>
             <a:endParaRPr lang="en-US" dirty="0" smtClean="0"/>
@@ -1788,40 +1908,30 @@
           <a:p>
             <a:r>
               <a:rPr lang="en-US" dirty="0" smtClean="0"/>
-              <a:t>Limitations:</a:t>
-            </a:r>
-          </a:p>
-          <a:p>
-            <a:r>
-              <a:rPr lang="en-US" dirty="0" smtClean="0"/>
-              <a:t>- when do we give recommendations?</a:t>
-            </a:r>
-          </a:p>
-          <a:p>
-            <a:r>
-              <a:rPr lang="en-US" dirty="0" smtClean="0"/>
-              <a:t>- what if we give incorrect recommendations? (consider offering multiple recommendations)</a:t>
-            </a:r>
-          </a:p>
-          <a:p>
-            <a:pPr marL="171450" indent="-171450">
-              <a:buFontTx/>
-              <a:buChar char="-"/>
-            </a:pPr>
-            <a:r>
-              <a:rPr lang="en-US" dirty="0" smtClean="0"/>
-              <a:t>now what if you offer multiple recommendations and there are too many, consider prioritizing them, now how do we prioritize the? (consider usability study)</a:t>
-            </a:r>
-          </a:p>
-          <a:p>
-            <a:pPr marL="171450" indent="-171450">
-              <a:buFontTx/>
-              <a:buChar char="-"/>
-            </a:pPr>
-            <a:r>
-              <a:rPr lang="en-US" dirty="0" smtClean="0"/>
-              <a:t>amount of data could limit how fast we can react.  consider using heuristics for analysis triggering, probabilistic modeling (a solution shouldn't even be considered)</a:t>
-            </a:r>
+              <a:t>Converting a CFG to a tree</a:t>
+            </a:r>
+            <a:r>
+              <a:rPr lang="en-US" baseline="0" dirty="0" smtClean="0"/>
+              <a:t> (clarify a back-edge)</a:t>
+            </a:r>
+          </a:p>
+          <a:p>
+            <a:endParaRPr lang="en-US" baseline="0" dirty="0" smtClean="0"/>
+          </a:p>
+          <a:p>
+            <a:r>
+              <a:rPr lang="en-US" baseline="0" dirty="0" smtClean="0"/>
+              <a:t>Why did we choose tree over graphs?  Mention it here how graph matching algorithms don’t have the per4formance of tree-based comparisons. Mention the compromise of accuracy </a:t>
+            </a:r>
+            <a:r>
+              <a:rPr lang="en-US" baseline="0" dirty="0" err="1" smtClean="0"/>
+              <a:t>vs</a:t>
+            </a:r>
+            <a:r>
+              <a:rPr lang="en-US" baseline="0" dirty="0" smtClean="0"/>
+              <a:t> performance</a:t>
+            </a:r>
+            <a:endParaRPr lang="en-US" dirty="0" smtClean="0"/>
           </a:p>
           <a:p>
             <a:pPr marL="171450" indent="-171450">
@@ -1925,21 +2035,31 @@
           <a:p>
             <a:r>
               <a:rPr lang="en-US" dirty="0" smtClean="0"/>
-              <a:t>Richard</a:t>
-            </a:r>
-          </a:p>
-          <a:p>
+              <a:t>The conversion is as simple as </a:t>
+            </a:r>
+          </a:p>
+          <a:p>
+            <a:r>
+              <a:rPr lang="en-US" dirty="0" smtClean="0"/>
+              <a:t>P_s is the source</a:t>
+            </a:r>
+            <a:r>
+              <a:rPr lang="en-US" baseline="0" dirty="0" smtClean="0"/>
+              <a:t> code</a:t>
+            </a:r>
             <a:endParaRPr lang="en-US" dirty="0" smtClean="0"/>
           </a:p>
           <a:p>
             <a:r>
               <a:rPr lang="en-US" dirty="0" smtClean="0"/>
-              <a:t>TODO: general</a:t>
+              <a:t>To explain</a:t>
             </a:r>
             <a:r>
               <a:rPr lang="en-US" baseline="0" dirty="0" smtClean="0"/>
-              <a:t> complexity of graph comparison algorithms</a:t>
-            </a:r>
+              <a:t> that decompiled will be lost with optimizations applied (not invertible)</a:t>
+            </a:r>
+          </a:p>
+          <a:p>
             <a:endParaRPr lang="en-US" dirty="0" smtClean="0"/>
           </a:p>
         </p:txBody>
@@ -2026,6 +2146,28 @@
           <a:p>
             <a:r>
               <a:rPr lang="en-US" dirty="0" smtClean="0"/>
+              <a:t>Talk about syntactic</a:t>
+            </a:r>
+            <a:r>
+              <a:rPr lang="en-US" baseline="0" dirty="0" smtClean="0"/>
+              <a:t> </a:t>
+            </a:r>
+            <a:r>
+              <a:rPr lang="en-US" baseline="0" dirty="0" err="1" smtClean="0"/>
+              <a:t>vs</a:t>
+            </a:r>
+            <a:r>
+              <a:rPr lang="en-US" baseline="0" dirty="0" smtClean="0"/>
+              <a:t> semantic difference</a:t>
+            </a:r>
+            <a:endParaRPr lang="en-US" dirty="0" smtClean="0"/>
+          </a:p>
+          <a:p>
+            <a:endParaRPr lang="en-US" dirty="0" smtClean="0"/>
+          </a:p>
+          <a:p>
+            <a:r>
+              <a:rPr lang="en-US" dirty="0" smtClean="0"/>
               <a:t>Richard</a:t>
             </a:r>
             <a:endParaRPr lang="en-US" dirty="0"/>
@@ -2058,7 +2200,7 @@
     </p:spTree>
     <p:extLst>
       <p:ext uri="{BB962C8B-B14F-4D97-AF65-F5344CB8AC3E}">
-        <p14:creationId xmlns:p14="http://schemas.microsoft.com/office/powerpoint/2010/main" val="2222002638"/>
+        <p14:creationId xmlns:p14="http://schemas.microsoft.com/office/powerpoint/2010/main" val="1009514641"/>
       </p:ext>
     </p:extLst>
   </p:cSld>
@@ -2262,7 +2404,7 @@
           <a:p>
             <a:fld id="{B5640F25-B914-4E97-A7E2-9FA8CFA3CC96}" type="datetime1">
               <a:rPr lang="en-US" smtClean="0"/>
-              <a:t>1/28/2013</a:t>
+              <a:t>1/29/2013</a:t>
             </a:fld>
             <a:endParaRPr lang="en-US"/>
           </a:p>
@@ -2427,7 +2569,7 @@
           <a:p>
             <a:fld id="{C4C9EF03-0B8C-4CA3-9FF2-4E1FC0CD3656}" type="datetime1">
               <a:rPr lang="en-US" smtClean="0"/>
-              <a:t>1/28/2013</a:t>
+              <a:t>1/29/2013</a:t>
             </a:fld>
             <a:endParaRPr lang="en-US"/>
           </a:p>
@@ -2602,7 +2744,7 @@
           <a:p>
             <a:fld id="{E899911C-C2F8-43BA-8CD6-74FBAE6F4366}" type="datetime1">
               <a:rPr lang="en-US" smtClean="0"/>
-              <a:t>1/28/2013</a:t>
+              <a:t>1/29/2013</a:t>
             </a:fld>
             <a:endParaRPr lang="en-US"/>
           </a:p>
@@ -2767,7 +2909,7 @@
           <a:p>
             <a:fld id="{01337148-F21E-455A-88C0-11B43C84AD78}" type="datetime1">
               <a:rPr lang="en-US" smtClean="0"/>
-              <a:t>1/28/2013</a:t>
+              <a:t>1/29/2013</a:t>
             </a:fld>
             <a:endParaRPr lang="en-US"/>
           </a:p>
@@ -3008,7 +3150,7 @@
           <a:p>
             <a:fld id="{34CE8F15-2C16-4D90-98E1-070D4962C394}" type="datetime1">
               <a:rPr lang="en-US" smtClean="0"/>
-              <a:t>1/28/2013</a:t>
+              <a:t>1/29/2013</a:t>
             </a:fld>
             <a:endParaRPr lang="en-US"/>
           </a:p>
@@ -3291,7 +3433,7 @@
           <a:p>
             <a:fld id="{962DEBF3-FDB3-4C49-812A-A3F6CB36BD8F}" type="datetime1">
               <a:rPr lang="en-US" smtClean="0"/>
-              <a:t>1/28/2013</a:t>
+              <a:t>1/29/2013</a:t>
             </a:fld>
             <a:endParaRPr lang="en-US"/>
           </a:p>
@@ -3720,7 +3862,7 @@
           <a:p>
             <a:fld id="{067B06EE-3E80-4C9B-9BD3-3260244B6A92}" type="datetime1">
               <a:rPr lang="en-US" smtClean="0"/>
-              <a:t>1/28/2013</a:t>
+              <a:t>1/29/2013</a:t>
             </a:fld>
             <a:endParaRPr lang="en-US"/>
           </a:p>
@@ -3833,7 +3975,7 @@
           <a:p>
             <a:fld id="{5FF12AA1-D5F0-41C1-8975-01A60CFEE858}" type="datetime1">
               <a:rPr lang="en-US" smtClean="0"/>
-              <a:t>1/28/2013</a:t>
+              <a:t>1/29/2013</a:t>
             </a:fld>
             <a:endParaRPr lang="en-US"/>
           </a:p>
@@ -3923,7 +4065,7 @@
           <a:p>
             <a:fld id="{E261A706-D1B1-474F-B405-9D6682F48001}" type="datetime1">
               <a:rPr lang="en-US" smtClean="0"/>
-              <a:t>1/28/2013</a:t>
+              <a:t>1/29/2013</a:t>
             </a:fld>
             <a:endParaRPr lang="en-US"/>
           </a:p>
@@ -4112,7 +4254,7 @@
           <a:p>
             <a:fld id="{B49187F1-DC0D-4415-BA93-E7E2FDC2FA9D}" type="datetime1">
               <a:rPr lang="en-US" smtClean="0"/>
-              <a:t>1/28/2013</a:t>
+              <a:t>1/29/2013</a:t>
             </a:fld>
             <a:endParaRPr lang="en-US"/>
           </a:p>
@@ -4430,7 +4572,7 @@
           <a:p>
             <a:fld id="{2936E564-B9F0-40FE-BC5C-91DB4C440636}" type="datetime1">
               <a:rPr lang="en-US" smtClean="0"/>
-              <a:t>1/28/2013</a:t>
+              <a:t>1/29/2013</a:t>
             </a:fld>
             <a:endParaRPr lang="en-US"/>
           </a:p>
@@ -4809,7 +4951,7 @@
           <a:p>
             <a:fld id="{7F0E548F-4B32-4554-AD1C-F0974015AA91}" type="datetime1">
               <a:rPr lang="en-US" smtClean="0"/>
-              <a:t>1/28/2013</a:t>
+              <a:t>1/29/2013</a:t>
             </a:fld>
             <a:endParaRPr lang="en-US"/>
           </a:p>
@@ -5526,13 +5668,8 @@
             </a:pPr>
             <a:r>
               <a:rPr lang="en-US" dirty="0" smtClean="0"/>
-              <a:t>Need not be </a:t>
-            </a:r>
-            <a:r>
-              <a:rPr lang="en-US" dirty="0" err="1" smtClean="0"/>
-              <a:t>compilable</a:t>
-            </a:r>
-            <a:endParaRPr lang="en-US" dirty="0" smtClean="0"/>
+              <a:t>Need not be compilable</a:t>
+            </a:r>
           </a:p>
           <a:p>
             <a:pPr>
@@ -5729,6 +5866,13 @@
   <p:clrMapOvr>
     <a:masterClrMapping/>
   </p:clrMapOvr>
+  <p:timing>
+    <p:tnLst>
+      <p:par>
+        <p:cTn id="1" dur="indefinite" restart="never" nodeType="tmRoot"/>
+      </p:par>
+    </p:tnLst>
+  </p:timing>
 </p:sld>
 </file>
 
@@ -5784,7 +5928,9 @@
         </p:nvSpPr>
         <p:spPr/>
         <p:txBody>
-          <a:bodyPr/>
+          <a:bodyPr>
+            <a:normAutofit fontScale="85000" lnSpcReduction="20000"/>
+          </a:bodyPr>
           <a:lstStyle/>
           <a:p>
             <a:r>
@@ -5793,11 +5939,122 @@
             </a:r>
           </a:p>
           <a:p>
-            <a:pPr lvl="1"/>
+            <a:pPr marL="114300" indent="0" algn="ctr">
+              <a:buNone/>
+            </a:pPr>
             <a:r>
               <a:rPr lang="en-US" dirty="0" smtClean="0"/>
-              <a:t>Give original AST of FOR loop and converted AST</a:t>
-            </a:r>
+              <a:t>…</a:t>
+            </a:r>
+          </a:p>
+          <a:p>
+            <a:pPr marL="114300" indent="0">
+              <a:buNone/>
+            </a:pPr>
+            <a:endParaRPr lang="en-US" dirty="0" smtClean="0"/>
+          </a:p>
+          <a:p>
+            <a:pPr marL="114300" indent="0" algn="ctr">
+              <a:buNone/>
+            </a:pPr>
+            <a:r>
+              <a:rPr lang="en-US" dirty="0" err="1" smtClean="0"/>
+              <a:t>ForStatement</a:t>
+            </a:r>
+            <a:endParaRPr lang="en-US" dirty="0" smtClean="0"/>
+          </a:p>
+          <a:p>
+            <a:pPr marL="114300" indent="0" algn="ctr">
+              <a:buNone/>
+            </a:pPr>
+            <a:endParaRPr lang="en-US" dirty="0" smtClean="0"/>
+          </a:p>
+          <a:p>
+            <a:pPr marL="114300" indent="0" algn="ctr">
+              <a:buNone/>
+            </a:pPr>
+            <a:r>
+              <a:rPr lang="en-US" dirty="0" smtClean="0"/>
+              <a:t>Expr.1	    </a:t>
+            </a:r>
+            <a:r>
+              <a:rPr lang="en-US" dirty="0" err="1" smtClean="0"/>
+              <a:t>ConditionalExpr</a:t>
+            </a:r>
+            <a:r>
+              <a:rPr lang="en-US" dirty="0" smtClean="0"/>
+              <a:t>.    Block    Expr.2</a:t>
+            </a:r>
+          </a:p>
+          <a:p>
+            <a:pPr marL="114300" indent="0" algn="ctr">
+              <a:buNone/>
+            </a:pPr>
+            <a:endParaRPr lang="en-US" dirty="0"/>
+          </a:p>
+          <a:p>
+            <a:pPr marL="114300" indent="0" algn="ctr">
+              <a:buNone/>
+            </a:pPr>
+            <a:endParaRPr lang="en-US" dirty="0" smtClean="0"/>
+          </a:p>
+          <a:p>
+            <a:pPr marL="114300" indent="0" algn="ctr">
+              <a:buNone/>
+            </a:pPr>
+            <a:r>
+              <a:rPr lang="en-US" dirty="0" smtClean="0"/>
+              <a:t>…</a:t>
+            </a:r>
+          </a:p>
+          <a:p>
+            <a:pPr marL="114300" indent="0" algn="ctr">
+              <a:buNone/>
+            </a:pPr>
+            <a:endParaRPr lang="en-US" dirty="0"/>
+          </a:p>
+          <a:p>
+            <a:pPr marL="114300" indent="0" algn="ctr">
+              <a:buNone/>
+            </a:pPr>
+            <a:r>
+              <a:rPr lang="en-US" dirty="0" smtClean="0"/>
+              <a:t>Expr.1              </a:t>
+            </a:r>
+            <a:r>
+              <a:rPr lang="en-US" dirty="0" err="1" smtClean="0"/>
+              <a:t>WhileStatement</a:t>
+            </a:r>
+            <a:endParaRPr lang="en-US" dirty="0" smtClean="0"/>
+          </a:p>
+          <a:p>
+            <a:pPr marL="114300" indent="0" algn="ctr">
+              <a:buNone/>
+            </a:pPr>
+            <a:endParaRPr lang="en-US" dirty="0"/>
+          </a:p>
+          <a:p>
+            <a:pPr marL="114300" indent="0" algn="ctr">
+              <a:buNone/>
+            </a:pPr>
+            <a:r>
+              <a:rPr lang="en-US" dirty="0" smtClean="0"/>
+              <a:t>                    </a:t>
+            </a:r>
+            <a:r>
+              <a:rPr lang="en-US" dirty="0" err="1" smtClean="0"/>
+              <a:t>ConditionalExpr</a:t>
+            </a:r>
+            <a:r>
+              <a:rPr lang="en-US" dirty="0" smtClean="0"/>
+              <a:t>.    Block    Expr.2</a:t>
+            </a:r>
+          </a:p>
+          <a:p>
+            <a:pPr marL="114300" indent="0">
+              <a:buNone/>
+            </a:pPr>
+            <a:endParaRPr lang="en-US" dirty="0" smtClean="0"/>
           </a:p>
           <a:p>
             <a:r>
@@ -5847,16 +6104,393 @@
           </a:p>
         </p:txBody>
       </p:sp>
+      <p:sp>
+        <p:nvSpPr>
+          <p:cNvPr id="15" name="Up-Down Arrow 14"/>
+          <p:cNvSpPr/>
+          <p:nvPr/>
+        </p:nvSpPr>
+        <p:spPr>
+          <a:xfrm>
+            <a:off x="4221481" y="3505200"/>
+            <a:ext cx="198119" cy="381000"/>
+          </a:xfrm>
+          <a:prstGeom prst="upDownArrow">
+            <a:avLst/>
+          </a:prstGeom>
+        </p:spPr>
+        <p:style>
+          <a:lnRef idx="2">
+            <a:schemeClr val="accent1">
+              <a:shade val="50000"/>
+            </a:schemeClr>
+          </a:lnRef>
+          <a:fillRef idx="1">
+            <a:schemeClr val="accent1"/>
+          </a:fillRef>
+          <a:effectRef idx="0">
+            <a:schemeClr val="accent1"/>
+          </a:effectRef>
+          <a:fontRef idx="minor">
+            <a:schemeClr val="lt1"/>
+          </a:fontRef>
+        </p:style>
+        <p:txBody>
+          <a:bodyPr rtlCol="0" anchor="ctr"/>
+          <a:lstStyle/>
+          <a:p>
+            <a:pPr algn="ctr"/>
+            <a:endParaRPr lang="en-US" dirty="0"/>
+          </a:p>
+        </p:txBody>
+      </p:sp>
+      <p:cxnSp>
+        <p:nvCxnSpPr>
+          <p:cNvPr id="21" name="Straight Arrow Connector 20"/>
+          <p:cNvCxnSpPr/>
+          <p:nvPr/>
+        </p:nvCxnSpPr>
+        <p:spPr>
+          <a:xfrm>
+            <a:off x="4320540" y="2209800"/>
+            <a:ext cx="0" cy="304800"/>
+          </a:xfrm>
+          <a:prstGeom prst="straightConnector1">
+            <a:avLst/>
+          </a:prstGeom>
+          <a:ln>
+            <a:tailEnd type="arrow"/>
+          </a:ln>
+        </p:spPr>
+        <p:style>
+          <a:lnRef idx="1">
+            <a:schemeClr val="accent1"/>
+          </a:lnRef>
+          <a:fillRef idx="0">
+            <a:schemeClr val="accent1"/>
+          </a:fillRef>
+          <a:effectRef idx="0">
+            <a:schemeClr val="accent1"/>
+          </a:effectRef>
+          <a:fontRef idx="minor">
+            <a:schemeClr val="tx1"/>
+          </a:fontRef>
+        </p:style>
+      </p:cxnSp>
+      <p:cxnSp>
+        <p:nvCxnSpPr>
+          <p:cNvPr id="23" name="Straight Arrow Connector 22"/>
+          <p:cNvCxnSpPr/>
+          <p:nvPr/>
+        </p:nvCxnSpPr>
+        <p:spPr>
+          <a:xfrm flipH="1">
+            <a:off x="2895600" y="2667000"/>
+            <a:ext cx="685800" cy="381000"/>
+          </a:xfrm>
+          <a:prstGeom prst="straightConnector1">
+            <a:avLst/>
+          </a:prstGeom>
+          <a:ln>
+            <a:tailEnd type="arrow"/>
+          </a:ln>
+        </p:spPr>
+        <p:style>
+          <a:lnRef idx="1">
+            <a:schemeClr val="accent1"/>
+          </a:lnRef>
+          <a:fillRef idx="0">
+            <a:schemeClr val="accent1"/>
+          </a:fillRef>
+          <a:effectRef idx="0">
+            <a:schemeClr val="accent1"/>
+          </a:effectRef>
+          <a:fontRef idx="minor">
+            <a:schemeClr val="tx1"/>
+          </a:fontRef>
+        </p:style>
+      </p:cxnSp>
+      <p:cxnSp>
+        <p:nvCxnSpPr>
+          <p:cNvPr id="25" name="Straight Arrow Connector 24"/>
+          <p:cNvCxnSpPr/>
+          <p:nvPr/>
+        </p:nvCxnSpPr>
+        <p:spPr>
+          <a:xfrm>
+            <a:off x="4320540" y="2819400"/>
+            <a:ext cx="0" cy="266700"/>
+          </a:xfrm>
+          <a:prstGeom prst="straightConnector1">
+            <a:avLst/>
+          </a:prstGeom>
+          <a:ln>
+            <a:tailEnd type="arrow"/>
+          </a:ln>
+        </p:spPr>
+        <p:style>
+          <a:lnRef idx="1">
+            <a:schemeClr val="accent1"/>
+          </a:lnRef>
+          <a:fillRef idx="0">
+            <a:schemeClr val="accent1"/>
+          </a:fillRef>
+          <a:effectRef idx="0">
+            <a:schemeClr val="accent1"/>
+          </a:effectRef>
+          <a:fontRef idx="minor">
+            <a:schemeClr val="tx1"/>
+          </a:fontRef>
+        </p:style>
+      </p:cxnSp>
+      <p:cxnSp>
+        <p:nvCxnSpPr>
+          <p:cNvPr id="27" name="Straight Arrow Connector 26"/>
+          <p:cNvCxnSpPr/>
+          <p:nvPr/>
+        </p:nvCxnSpPr>
+        <p:spPr>
+          <a:xfrm>
+            <a:off x="4953000" y="2743200"/>
+            <a:ext cx="152400" cy="304800"/>
+          </a:xfrm>
+          <a:prstGeom prst="straightConnector1">
+            <a:avLst/>
+          </a:prstGeom>
+          <a:ln>
+            <a:tailEnd type="arrow"/>
+          </a:ln>
+        </p:spPr>
+        <p:style>
+          <a:lnRef idx="1">
+            <a:schemeClr val="accent1"/>
+          </a:lnRef>
+          <a:fillRef idx="0">
+            <a:schemeClr val="accent1"/>
+          </a:fillRef>
+          <a:effectRef idx="0">
+            <a:schemeClr val="accent1"/>
+          </a:effectRef>
+          <a:fontRef idx="minor">
+            <a:schemeClr val="tx1"/>
+          </a:fontRef>
+        </p:style>
+      </p:cxnSp>
+      <p:cxnSp>
+        <p:nvCxnSpPr>
+          <p:cNvPr id="29" name="Straight Arrow Connector 28"/>
+          <p:cNvCxnSpPr/>
+          <p:nvPr/>
+        </p:nvCxnSpPr>
+        <p:spPr>
+          <a:xfrm>
+            <a:off x="5029200" y="2667000"/>
+            <a:ext cx="838200" cy="381000"/>
+          </a:xfrm>
+          <a:prstGeom prst="straightConnector1">
+            <a:avLst/>
+          </a:prstGeom>
+          <a:ln>
+            <a:tailEnd type="arrow"/>
+          </a:ln>
+        </p:spPr>
+        <p:style>
+          <a:lnRef idx="1">
+            <a:schemeClr val="accent1"/>
+          </a:lnRef>
+          <a:fillRef idx="0">
+            <a:schemeClr val="accent1"/>
+          </a:fillRef>
+          <a:effectRef idx="0">
+            <a:schemeClr val="accent1"/>
+          </a:effectRef>
+          <a:fontRef idx="minor">
+            <a:schemeClr val="tx1"/>
+          </a:fontRef>
+        </p:style>
+      </p:cxnSp>
+      <p:cxnSp>
+        <p:nvCxnSpPr>
+          <p:cNvPr id="31" name="Straight Arrow Connector 30"/>
+          <p:cNvCxnSpPr/>
+          <p:nvPr/>
+        </p:nvCxnSpPr>
+        <p:spPr>
+          <a:xfrm flipH="1">
+            <a:off x="3886200" y="4191000"/>
+            <a:ext cx="335281" cy="304800"/>
+          </a:xfrm>
+          <a:prstGeom prst="straightConnector1">
+            <a:avLst/>
+          </a:prstGeom>
+          <a:ln>
+            <a:tailEnd type="arrow"/>
+          </a:ln>
+        </p:spPr>
+        <p:style>
+          <a:lnRef idx="1">
+            <a:schemeClr val="accent1"/>
+          </a:lnRef>
+          <a:fillRef idx="0">
+            <a:schemeClr val="accent1"/>
+          </a:fillRef>
+          <a:effectRef idx="0">
+            <a:schemeClr val="accent1"/>
+          </a:effectRef>
+          <a:fontRef idx="minor">
+            <a:schemeClr val="tx1"/>
+          </a:fontRef>
+        </p:style>
+      </p:cxnSp>
+      <p:cxnSp>
+        <p:nvCxnSpPr>
+          <p:cNvPr id="33" name="Straight Arrow Connector 32"/>
+          <p:cNvCxnSpPr/>
+          <p:nvPr/>
+        </p:nvCxnSpPr>
+        <p:spPr>
+          <a:xfrm>
+            <a:off x="4419600" y="4191000"/>
+            <a:ext cx="381000" cy="304800"/>
+          </a:xfrm>
+          <a:prstGeom prst="straightConnector1">
+            <a:avLst/>
+          </a:prstGeom>
+          <a:ln>
+            <a:tailEnd type="arrow"/>
+          </a:ln>
+        </p:spPr>
+        <p:style>
+          <a:lnRef idx="1">
+            <a:schemeClr val="accent1"/>
+          </a:lnRef>
+          <a:fillRef idx="0">
+            <a:schemeClr val="accent1"/>
+          </a:fillRef>
+          <a:effectRef idx="0">
+            <a:schemeClr val="accent1"/>
+          </a:effectRef>
+          <a:fontRef idx="minor">
+            <a:schemeClr val="tx1"/>
+          </a:fontRef>
+        </p:style>
+      </p:cxnSp>
+      <p:cxnSp>
+        <p:nvCxnSpPr>
+          <p:cNvPr id="35" name="Straight Arrow Connector 34"/>
+          <p:cNvCxnSpPr/>
+          <p:nvPr/>
+        </p:nvCxnSpPr>
+        <p:spPr>
+          <a:xfrm flipH="1">
+            <a:off x="4610100" y="4800600"/>
+            <a:ext cx="190500" cy="304800"/>
+          </a:xfrm>
+          <a:prstGeom prst="straightConnector1">
+            <a:avLst/>
+          </a:prstGeom>
+          <a:ln>
+            <a:tailEnd type="arrow"/>
+          </a:ln>
+        </p:spPr>
+        <p:style>
+          <a:lnRef idx="1">
+            <a:schemeClr val="accent1"/>
+          </a:lnRef>
+          <a:fillRef idx="0">
+            <a:schemeClr val="accent1"/>
+          </a:fillRef>
+          <a:effectRef idx="0">
+            <a:schemeClr val="accent1"/>
+          </a:effectRef>
+          <a:fontRef idx="minor">
+            <a:schemeClr val="tx1"/>
+          </a:fontRef>
+        </p:style>
+      </p:cxnSp>
+      <p:cxnSp>
+        <p:nvCxnSpPr>
+          <p:cNvPr id="37" name="Straight Arrow Connector 36"/>
+          <p:cNvCxnSpPr/>
+          <p:nvPr/>
+        </p:nvCxnSpPr>
+        <p:spPr>
+          <a:xfrm>
+            <a:off x="5105400" y="4800600"/>
+            <a:ext cx="152400" cy="304800"/>
+          </a:xfrm>
+          <a:prstGeom prst="straightConnector1">
+            <a:avLst/>
+          </a:prstGeom>
+          <a:ln>
+            <a:tailEnd type="arrow"/>
+          </a:ln>
+        </p:spPr>
+        <p:style>
+          <a:lnRef idx="1">
+            <a:schemeClr val="accent1"/>
+          </a:lnRef>
+          <a:fillRef idx="0">
+            <a:schemeClr val="accent1"/>
+          </a:fillRef>
+          <a:effectRef idx="0">
+            <a:schemeClr val="accent1"/>
+          </a:effectRef>
+          <a:fontRef idx="minor">
+            <a:schemeClr val="tx1"/>
+          </a:fontRef>
+        </p:style>
+      </p:cxnSp>
+      <p:cxnSp>
+        <p:nvCxnSpPr>
+          <p:cNvPr id="39" name="Straight Arrow Connector 38"/>
+          <p:cNvCxnSpPr/>
+          <p:nvPr/>
+        </p:nvCxnSpPr>
+        <p:spPr>
+          <a:xfrm>
+            <a:off x="5257800" y="4724400"/>
+            <a:ext cx="609600" cy="381000"/>
+          </a:xfrm>
+          <a:prstGeom prst="straightConnector1">
+            <a:avLst/>
+          </a:prstGeom>
+          <a:ln>
+            <a:tailEnd type="arrow"/>
+          </a:ln>
+        </p:spPr>
+        <p:style>
+          <a:lnRef idx="1">
+            <a:schemeClr val="accent1"/>
+          </a:lnRef>
+          <a:fillRef idx="0">
+            <a:schemeClr val="accent1"/>
+          </a:fillRef>
+          <a:effectRef idx="0">
+            <a:schemeClr val="accent1"/>
+          </a:effectRef>
+          <a:fontRef idx="minor">
+            <a:schemeClr val="tx1"/>
+          </a:fontRef>
+        </p:style>
+      </p:cxnSp>
     </p:spTree>
     <p:extLst>
       <p:ext uri="{BB962C8B-B14F-4D97-AF65-F5344CB8AC3E}">
-        <p14:creationId xmlns:p14="http://schemas.microsoft.com/office/powerpoint/2010/main" val="4027959498"/>
+        <p14:creationId xmlns:p14="http://schemas.microsoft.com/office/powerpoint/2010/main" val="584986256"/>
       </p:ext>
     </p:extLst>
   </p:cSld>
   <p:clrMapOvr>
     <a:masterClrMapping/>
   </p:clrMapOvr>
+  <p:timing>
+    <p:tnLst>
+      <p:par>
+        <p:cTn id="1" dur="indefinite" restart="never" nodeType="tmRoot"/>
+      </p:par>
+    </p:tnLst>
+  </p:timing>
 </p:sld>
 </file>
 
@@ -5910,20 +6544,30 @@
             <p:ph idx="1"/>
           </p:nvPr>
         </p:nvSpPr>
-        <p:spPr/>
-        <p:txBody>
-          <a:bodyPr/>
+        <p:spPr>
+          <a:xfrm>
+            <a:off x="457200" y="1600200"/>
+            <a:ext cx="7620000" cy="838200"/>
+          </a:xfrm>
+        </p:spPr>
+        <p:txBody>
+          <a:bodyPr>
+            <a:normAutofit/>
+          </a:bodyPr>
           <a:lstStyle/>
           <a:p>
             <a:r>
               <a:rPr lang="en-US" dirty="0" smtClean="0"/>
-              <a:t>Source and target code with minor difference (incorrect token/operator??)</a:t>
-            </a:r>
-          </a:p>
-          <a:p>
+              <a:t>Identifies incorrect operators, tokens, identifiers</a:t>
+            </a:r>
+          </a:p>
+          <a:p>
+            <a:pPr marL="114300" indent="0">
+              <a:buNone/>
+            </a:pPr>
             <a:r>
               <a:rPr lang="en-US" dirty="0" smtClean="0"/>
-              <a:t>Extra else statement</a:t>
+              <a:t>	    SOURCE				TARGET</a:t>
             </a:r>
             <a:endParaRPr lang="en-US" dirty="0"/>
           </a:p>
@@ -5952,16 +6596,183 @@
           </a:p>
         </p:txBody>
       </p:sp>
+      <p:pic>
+        <p:nvPicPr>
+          <p:cNvPr id="1027" name="Picture 3"/>
+          <p:cNvPicPr>
+            <a:picLocks noChangeAspect="1" noChangeArrowheads="1"/>
+          </p:cNvPicPr>
+          <p:nvPr/>
+        </p:nvPicPr>
+        <p:blipFill>
+          <a:blip r:embed="rId3">
+            <a:extLst>
+              <a:ext uri="{28A0092B-C50C-407E-A947-70E740481C1C}">
+                <a14:useLocalDpi xmlns:a14="http://schemas.microsoft.com/office/drawing/2010/main" val="0"/>
+              </a:ext>
+            </a:extLst>
+          </a:blip>
+          <a:srcRect/>
+          <a:stretch>
+            <a:fillRect/>
+          </a:stretch>
+        </p:blipFill>
+        <p:spPr bwMode="auto">
+          <a:xfrm>
+            <a:off x="228599" y="2449267"/>
+            <a:ext cx="3914775" cy="3419475"/>
+          </a:xfrm>
+          <a:prstGeom prst="rect">
+            <a:avLst/>
+          </a:prstGeom>
+          <a:noFill/>
+          <a:ln w="9525">
+            <a:solidFill>
+              <a:schemeClr val="tx1"/>
+            </a:solidFill>
+            <a:miter lim="800000"/>
+            <a:headEnd/>
+            <a:tailEnd/>
+          </a:ln>
+          <a:effectLst/>
+          <a:extLst>
+            <a:ext uri="{909E8E84-426E-40DD-AFC4-6F175D3DCCD1}">
+              <a14:hiddenFill xmlns:a14="http://schemas.microsoft.com/office/drawing/2010/main">
+                <a:solidFill>
+                  <a:schemeClr val="accent1"/>
+                </a:solidFill>
+              </a14:hiddenFill>
+            </a:ext>
+            <a:ext uri="{AF507438-7753-43E0-B8FC-AC1667EBCBE1}">
+              <a14:hiddenEffects xmlns:a14="http://schemas.microsoft.com/office/drawing/2010/main">
+                <a:effectLst>
+                  <a:outerShdw dist="35921" dir="2700000" algn="ctr" rotWithShape="0">
+                    <a:schemeClr val="bg2"/>
+                  </a:outerShdw>
+                </a:effectLst>
+              </a14:hiddenEffects>
+            </a:ext>
+          </a:extLst>
+        </p:spPr>
+      </p:pic>
+      <p:pic>
+        <p:nvPicPr>
+          <p:cNvPr id="1028" name="Picture 4"/>
+          <p:cNvPicPr>
+            <a:picLocks noChangeAspect="1" noChangeArrowheads="1"/>
+          </p:cNvPicPr>
+          <p:nvPr/>
+        </p:nvPicPr>
+        <p:blipFill>
+          <a:blip r:embed="rId4">
+            <a:extLst>
+              <a:ext uri="{28A0092B-C50C-407E-A947-70E740481C1C}">
+                <a14:useLocalDpi xmlns:a14="http://schemas.microsoft.com/office/drawing/2010/main" val="0"/>
+              </a:ext>
+            </a:extLst>
+          </a:blip>
+          <a:srcRect/>
+          <a:stretch>
+            <a:fillRect/>
+          </a:stretch>
+        </p:blipFill>
+        <p:spPr bwMode="auto">
+          <a:xfrm>
+            <a:off x="4543425" y="2438400"/>
+            <a:ext cx="3914775" cy="3419475"/>
+          </a:xfrm>
+          <a:prstGeom prst="rect">
+            <a:avLst/>
+          </a:prstGeom>
+          <a:noFill/>
+          <a:ln w="9525">
+            <a:solidFill>
+              <a:schemeClr val="tx1"/>
+            </a:solidFill>
+            <a:miter lim="800000"/>
+            <a:headEnd/>
+            <a:tailEnd/>
+          </a:ln>
+          <a:effectLst/>
+          <a:extLst>
+            <a:ext uri="{909E8E84-426E-40DD-AFC4-6F175D3DCCD1}">
+              <a14:hiddenFill xmlns:a14="http://schemas.microsoft.com/office/drawing/2010/main">
+                <a:solidFill>
+                  <a:schemeClr val="accent1"/>
+                </a:solidFill>
+              </a14:hiddenFill>
+            </a:ext>
+            <a:ext uri="{AF507438-7753-43E0-B8FC-AC1667EBCBE1}">
+              <a14:hiddenEffects xmlns:a14="http://schemas.microsoft.com/office/drawing/2010/main">
+                <a:effectLst>
+                  <a:outerShdw dist="35921" dir="2700000" algn="ctr" rotWithShape="0">
+                    <a:schemeClr val="bg2"/>
+                  </a:outerShdw>
+                </a:effectLst>
+              </a14:hiddenEffects>
+            </a:ext>
+          </a:extLst>
+        </p:spPr>
+      </p:pic>
+      <p:sp>
+        <p:nvSpPr>
+          <p:cNvPr id="5" name="TextBox 4"/>
+          <p:cNvSpPr txBox="1"/>
+          <p:nvPr/>
+        </p:nvSpPr>
+        <p:spPr>
+          <a:xfrm>
+            <a:off x="381000" y="5917767"/>
+            <a:ext cx="3276600" cy="923330"/>
+          </a:xfrm>
+          <a:prstGeom prst="rect">
+            <a:avLst/>
+          </a:prstGeom>
+          <a:noFill/>
+        </p:spPr>
+        <p:txBody>
+          <a:bodyPr wrap="square" rtlCol="0">
+            <a:spAutoFit/>
+          </a:bodyPr>
+          <a:lstStyle/>
+          <a:p>
+            <a:r>
+              <a:rPr lang="en-US" dirty="0" smtClean="0"/>
+              <a:t>12: Change ‘true’ to ‘false’</a:t>
+            </a:r>
+          </a:p>
+          <a:p>
+            <a:r>
+              <a:rPr lang="en-US" dirty="0" smtClean="0"/>
+              <a:t>13: Change ‘1’ to ‘0’</a:t>
+            </a:r>
+          </a:p>
+          <a:p>
+            <a:r>
+              <a:rPr lang="en-US" dirty="0" smtClean="0"/>
+              <a:t>15: Change ‘&gt;’ to ‘&lt;‘</a:t>
+            </a:r>
+            <a:endParaRPr lang="en-US" dirty="0"/>
+          </a:p>
+        </p:txBody>
+      </p:sp>
     </p:spTree>
     <p:extLst>
       <p:ext uri="{BB962C8B-B14F-4D97-AF65-F5344CB8AC3E}">
-        <p14:creationId xmlns:p14="http://schemas.microsoft.com/office/powerpoint/2010/main" val="1821468269"/>
+        <p14:creationId xmlns:p14="http://schemas.microsoft.com/office/powerpoint/2010/main" val="3271111864"/>
       </p:ext>
     </p:extLst>
   </p:cSld>
   <p:clrMapOvr>
     <a:masterClrMapping/>
   </p:clrMapOvr>
+  <p:timing>
+    <p:tnLst>
+      <p:par>
+        <p:cTn id="1" dur="indefinite" restart="never" nodeType="tmRoot"/>
+      </p:par>
+    </p:tnLst>
+  </p:timing>
 </p:sld>
 </file>
 
@@ -5999,7 +6810,7 @@
           <a:p>
             <a:r>
               <a:rPr lang="en-US" dirty="0" smtClean="0"/>
-              <a:t>Combined approach</a:t>
+              <a:t>AST Demonstration</a:t>
             </a:r>
             <a:endParaRPr lang="en-US" dirty="0"/>
           </a:p>
@@ -6015,53 +6826,31 @@
             <p:ph idx="1"/>
           </p:nvPr>
         </p:nvSpPr>
-        <p:spPr/>
-        <p:txBody>
-          <a:bodyPr/>
-          <a:lstStyle/>
-          <a:p>
-            <a:pPr marL="571500" indent="-457200">
-              <a:buAutoNum type="arabicPeriod"/>
+        <p:spPr>
+          <a:xfrm>
+            <a:off x="457200" y="1600200"/>
+            <a:ext cx="7620000" cy="838200"/>
+          </a:xfrm>
+        </p:spPr>
+        <p:txBody>
+          <a:bodyPr>
+            <a:normAutofit/>
+          </a:bodyPr>
+          <a:lstStyle/>
+          <a:p>
+            <a:r>
+              <a:rPr lang="en-US" dirty="0" smtClean="0"/>
+              <a:t>Identifies extra code</a:t>
+            </a:r>
+          </a:p>
+          <a:p>
+            <a:pPr marL="114300" indent="0">
+              <a:buNone/>
             </a:pPr>
             <a:r>
-              <a:rPr lang="en-US" sz="2800" dirty="0" smtClean="0"/>
-              <a:t>Utilize CFGs to find best matching target.</a:t>
-            </a:r>
-          </a:p>
-          <a:p>
-            <a:pPr marL="571500" indent="-457200">
-              <a:buAutoNum type="arabicPeriod"/>
-            </a:pPr>
-            <a:r>
-              <a:rPr lang="en-US" sz="2800" dirty="0" smtClean="0"/>
-              <a:t>Find areas of difference in source and best matching target.</a:t>
-            </a:r>
-          </a:p>
-          <a:p>
-            <a:pPr marL="571500" indent="-457200">
-              <a:buAutoNum type="arabicPeriod"/>
-            </a:pPr>
-            <a:r>
-              <a:rPr lang="en-US" sz="2800" dirty="0" smtClean="0"/>
-              <a:t>Use ASTs to find minimal recommendations based on known areas of difference.</a:t>
-            </a:r>
-          </a:p>
-          <a:p>
-            <a:pPr marL="571500" indent="-457200">
-              <a:buAutoNum type="arabicPeriod"/>
-            </a:pPr>
-            <a:r>
-              <a:rPr lang="en-US" sz="2800" dirty="0" smtClean="0"/>
-              <a:t>Report source code edits to user.</a:t>
-            </a:r>
-          </a:p>
-          <a:p>
-            <a:pPr marL="571500" indent="-457200">
-              <a:buAutoNum type="arabicPeriod"/>
-            </a:pPr>
-            <a:endParaRPr lang="en-US" dirty="0" smtClean="0"/>
-          </a:p>
-          <a:p>
+              <a:rPr lang="en-US" dirty="0" smtClean="0"/>
+              <a:t>	    SOURCE				TARGET</a:t>
+            </a:r>
             <a:endParaRPr lang="en-US" dirty="0"/>
           </a:p>
         </p:txBody>
@@ -6089,16 +6878,171 @@
           </a:p>
         </p:txBody>
       </p:sp>
+      <p:sp>
+        <p:nvSpPr>
+          <p:cNvPr id="5" name="TextBox 4"/>
+          <p:cNvSpPr txBox="1"/>
+          <p:nvPr/>
+        </p:nvSpPr>
+        <p:spPr>
+          <a:xfrm>
+            <a:off x="576330" y="3886200"/>
+            <a:ext cx="3276600" cy="369332"/>
+          </a:xfrm>
+          <a:prstGeom prst="rect">
+            <a:avLst/>
+          </a:prstGeom>
+          <a:noFill/>
+        </p:spPr>
+        <p:txBody>
+          <a:bodyPr wrap="square" rtlCol="0">
+            <a:spAutoFit/>
+          </a:bodyPr>
+          <a:lstStyle/>
+          <a:p>
+            <a:r>
+              <a:rPr lang="en-US" dirty="0" smtClean="0"/>
+              <a:t>12: Delete extra code</a:t>
+            </a:r>
+            <a:endParaRPr lang="en-US" dirty="0"/>
+          </a:p>
+        </p:txBody>
+      </p:sp>
+      <p:pic>
+        <p:nvPicPr>
+          <p:cNvPr id="2050" name="Picture 2"/>
+          <p:cNvPicPr>
+            <a:picLocks noChangeAspect="1" noChangeArrowheads="1"/>
+          </p:cNvPicPr>
+          <p:nvPr/>
+        </p:nvPicPr>
+        <p:blipFill>
+          <a:blip r:embed="rId3">
+            <a:extLst>
+              <a:ext uri="{28A0092B-C50C-407E-A947-70E740481C1C}">
+                <a14:useLocalDpi xmlns:a14="http://schemas.microsoft.com/office/drawing/2010/main" val="0"/>
+              </a:ext>
+            </a:extLst>
+          </a:blip>
+          <a:srcRect/>
+          <a:stretch>
+            <a:fillRect/>
+          </a:stretch>
+        </p:blipFill>
+        <p:spPr bwMode="auto">
+          <a:xfrm>
+            <a:off x="609600" y="2438400"/>
+            <a:ext cx="3086100" cy="1362075"/>
+          </a:xfrm>
+          <a:prstGeom prst="rect">
+            <a:avLst/>
+          </a:prstGeom>
+          <a:noFill/>
+          <a:ln w="9525">
+            <a:solidFill>
+              <a:schemeClr val="tx1"/>
+            </a:solidFill>
+            <a:miter lim="800000"/>
+            <a:headEnd/>
+            <a:tailEnd/>
+          </a:ln>
+          <a:effectLst/>
+          <a:extLst>
+            <a:ext uri="{909E8E84-426E-40DD-AFC4-6F175D3DCCD1}">
+              <a14:hiddenFill xmlns:a14="http://schemas.microsoft.com/office/drawing/2010/main">
+                <a:solidFill>
+                  <a:schemeClr val="accent1"/>
+                </a:solidFill>
+              </a14:hiddenFill>
+            </a:ext>
+            <a:ext uri="{AF507438-7753-43E0-B8FC-AC1667EBCBE1}">
+              <a14:hiddenEffects xmlns:a14="http://schemas.microsoft.com/office/drawing/2010/main">
+                <a:effectLst>
+                  <a:outerShdw dist="35921" dir="2700000" algn="ctr" rotWithShape="0">
+                    <a:schemeClr val="bg2"/>
+                  </a:outerShdw>
+                </a:effectLst>
+              </a14:hiddenEffects>
+            </a:ext>
+          </a:extLst>
+        </p:spPr>
+      </p:pic>
+      <p:pic>
+        <p:nvPicPr>
+          <p:cNvPr id="2051" name="Picture 3"/>
+          <p:cNvPicPr>
+            <a:picLocks noChangeAspect="1" noChangeArrowheads="1"/>
+          </p:cNvPicPr>
+          <p:nvPr/>
+        </p:nvPicPr>
+        <p:blipFill>
+          <a:blip r:embed="rId4">
+            <a:extLst>
+              <a:ext uri="{28A0092B-C50C-407E-A947-70E740481C1C}">
+                <a14:useLocalDpi xmlns:a14="http://schemas.microsoft.com/office/drawing/2010/main" val="0"/>
+              </a:ext>
+            </a:extLst>
+          </a:blip>
+          <a:srcRect/>
+          <a:stretch>
+            <a:fillRect/>
+          </a:stretch>
+        </p:blipFill>
+        <p:spPr bwMode="auto">
+          <a:xfrm>
+            <a:off x="4800600" y="2438400"/>
+            <a:ext cx="3086100" cy="1362075"/>
+          </a:xfrm>
+          <a:prstGeom prst="rect">
+            <a:avLst/>
+          </a:prstGeom>
+          <a:noFill/>
+          <a:ln w="9525">
+            <a:solidFill>
+              <a:schemeClr val="tx1"/>
+            </a:solidFill>
+            <a:miter lim="800000"/>
+            <a:headEnd/>
+            <a:tailEnd/>
+          </a:ln>
+          <a:effectLst/>
+          <a:extLst>
+            <a:ext uri="{909E8E84-426E-40DD-AFC4-6F175D3DCCD1}">
+              <a14:hiddenFill xmlns:a14="http://schemas.microsoft.com/office/drawing/2010/main">
+                <a:solidFill>
+                  <a:schemeClr val="accent1"/>
+                </a:solidFill>
+              </a14:hiddenFill>
+            </a:ext>
+            <a:ext uri="{AF507438-7753-43E0-B8FC-AC1667EBCBE1}">
+              <a14:hiddenEffects xmlns:a14="http://schemas.microsoft.com/office/drawing/2010/main">
+                <a:effectLst>
+                  <a:outerShdw dist="35921" dir="2700000" algn="ctr" rotWithShape="0">
+                    <a:schemeClr val="bg2"/>
+                  </a:outerShdw>
+                </a:effectLst>
+              </a14:hiddenEffects>
+            </a:ext>
+          </a:extLst>
+        </p:spPr>
+      </p:pic>
     </p:spTree>
     <p:extLst>
       <p:ext uri="{BB962C8B-B14F-4D97-AF65-F5344CB8AC3E}">
-        <p14:creationId xmlns:p14="http://schemas.microsoft.com/office/powerpoint/2010/main" val="455072223"/>
+        <p14:creationId xmlns:p14="http://schemas.microsoft.com/office/powerpoint/2010/main" val="514882302"/>
       </p:ext>
     </p:extLst>
   </p:cSld>
   <p:clrMapOvr>
     <a:masterClrMapping/>
   </p:clrMapOvr>
+  <p:timing>
+    <p:tnLst>
+      <p:par>
+        <p:cTn id="1" dur="indefinite" restart="never" nodeType="tmRoot"/>
+      </p:par>
+    </p:tnLst>
+  </p:timing>
 </p:sld>
 </file>
 
@@ -6136,7 +7080,7 @@
           <a:p>
             <a:r>
               <a:rPr lang="en-US" dirty="0" smtClean="0"/>
-              <a:t>Remaining Issues</a:t>
+              <a:t>Combined approach</a:t>
             </a:r>
             <a:endParaRPr lang="en-US" dirty="0"/>
           </a:p>
@@ -6157,84 +7101,67 @@
           <a:bodyPr/>
           <a:lstStyle/>
           <a:p>
-            <a:r>
-              <a:rPr lang="en-US" dirty="0" smtClean="0"/>
-              <a:t>How granular should the comparisons be for CFG-based approach?</a:t>
-            </a:r>
-          </a:p>
-          <a:p>
-            <a:r>
-              <a:rPr lang="en-US" dirty="0" smtClean="0"/>
-              <a:t>Some syntactically different code may be semantically equivalent</a:t>
-            </a:r>
-          </a:p>
-          <a:p>
-            <a:pPr lvl="1"/>
-            <a:r>
-              <a:rPr lang="en-US" dirty="0" smtClean="0"/>
-              <a:t>a &lt; b </a:t>
-            </a:r>
-            <a:r>
-              <a:rPr lang="en-US" dirty="0" smtClean="0">
-                <a:sym typeface="Wingdings" pitchFamily="2" charset="2"/>
-              </a:rPr>
-              <a:t> b &gt; a</a:t>
-            </a:r>
-          </a:p>
-          <a:p>
-            <a:pPr lvl="1"/>
-            <a:r>
-              <a:rPr lang="en-US" dirty="0" smtClean="0">
-                <a:sym typeface="Wingdings" pitchFamily="2" charset="2"/>
-              </a:rPr>
-              <a:t>Ordering of independent statements</a:t>
-            </a:r>
-          </a:p>
-          <a:p>
-            <a:pPr lvl="2"/>
-            <a:r>
-              <a:rPr lang="en-US" dirty="0" smtClean="0">
-                <a:sym typeface="Wingdings" pitchFamily="2" charset="2"/>
-              </a:rPr>
-              <a:t>a = x + y			b = w + z</a:t>
-            </a:r>
-          </a:p>
-          <a:p>
-            <a:pPr marL="777240" lvl="2" indent="0">
-              <a:buNone/>
+            <a:pPr marL="571500" indent="-457200">
+              <a:buAutoNum type="arabicPeriod"/>
             </a:pPr>
             <a:r>
-              <a:rPr lang="en-US" dirty="0">
-                <a:sym typeface="Wingdings" pitchFamily="2" charset="2"/>
-              </a:rPr>
-              <a:t>	 </a:t>
-            </a:r>
-            <a:r>
-              <a:rPr lang="en-US" dirty="0" smtClean="0">
-                <a:sym typeface="Wingdings" pitchFamily="2" charset="2"/>
-              </a:rPr>
-              <a:t> b = w + z		a = x + y</a:t>
-            </a:r>
-          </a:p>
-          <a:p>
-            <a:r>
-              <a:rPr lang="en-US" dirty="0" smtClean="0">
-                <a:sym typeface="Wingdings" pitchFamily="2" charset="2"/>
-              </a:rPr>
-              <a:t>Not making </a:t>
-            </a:r>
-            <a:r>
-              <a:rPr lang="en-US" dirty="0" err="1" smtClean="0">
-                <a:sym typeface="Wingdings" pitchFamily="2" charset="2"/>
-              </a:rPr>
-              <a:t>interprocedural</a:t>
-            </a:r>
-            <a:r>
-              <a:rPr lang="en-US" dirty="0" smtClean="0">
-                <a:sym typeface="Wingdings" pitchFamily="2" charset="2"/>
-              </a:rPr>
-              <a:t> comparisons (points-to analysis)</a:t>
-            </a:r>
+              <a:rPr lang="en-US" sz="2800" dirty="0" smtClean="0"/>
+              <a:t>Utilize </a:t>
+            </a:r>
+            <a:r>
+              <a:rPr lang="en-US" sz="2800" dirty="0" smtClean="0"/>
+              <a:t>IR/AST-based approach to </a:t>
+            </a:r>
+            <a:r>
+              <a:rPr lang="en-US" sz="2800" dirty="0" smtClean="0"/>
+              <a:t>find best </a:t>
+            </a:r>
+            <a:r>
+              <a:rPr lang="en-US" sz="2800" dirty="0" smtClean="0"/>
+              <a:t>matching targets.</a:t>
+            </a:r>
+            <a:endParaRPr lang="en-US" sz="2800" dirty="0" smtClean="0"/>
+          </a:p>
+          <a:p>
+            <a:pPr marL="571500" indent="-457200">
+              <a:buAutoNum type="arabicPeriod"/>
+            </a:pPr>
+            <a:r>
+              <a:rPr lang="en-US" sz="2800" dirty="0" smtClean="0"/>
+              <a:t>Find areas of difference in source and best matching </a:t>
+            </a:r>
+            <a:r>
+              <a:rPr lang="en-US" sz="2800" dirty="0" smtClean="0"/>
+              <a:t>target using CFG-based approach.</a:t>
+            </a:r>
+            <a:endParaRPr lang="en-US" sz="2800" dirty="0" smtClean="0"/>
+          </a:p>
+          <a:p>
+            <a:pPr marL="571500" indent="-457200">
+              <a:buAutoNum type="arabicPeriod"/>
+            </a:pPr>
+            <a:r>
+              <a:rPr lang="en-US" sz="2800" dirty="0" smtClean="0"/>
+              <a:t>Use ASTs to find minimal recommendations based on known areas of difference.</a:t>
+            </a:r>
+          </a:p>
+          <a:p>
+            <a:pPr marL="571500" indent="-457200">
+              <a:buAutoNum type="arabicPeriod"/>
+            </a:pPr>
+            <a:r>
+              <a:rPr lang="en-US" sz="2800" dirty="0" smtClean="0"/>
+              <a:t>Report source code edits to user.</a:t>
+            </a:r>
+          </a:p>
+          <a:p>
+            <a:pPr marL="571500" indent="-457200">
+              <a:buAutoNum type="arabicPeriod"/>
+            </a:pPr>
+            <a:endParaRPr lang="en-US" dirty="0" smtClean="0"/>
+          </a:p>
+          <a:p>
+            <a:endParaRPr lang="en-US" dirty="0"/>
           </a:p>
         </p:txBody>
       </p:sp>
@@ -6264,13 +7191,20 @@
     </p:spTree>
     <p:extLst>
       <p:ext uri="{BB962C8B-B14F-4D97-AF65-F5344CB8AC3E}">
-        <p14:creationId xmlns:p14="http://schemas.microsoft.com/office/powerpoint/2010/main" val="2288261520"/>
+        <p14:creationId xmlns:p14="http://schemas.microsoft.com/office/powerpoint/2010/main" val="455072223"/>
       </p:ext>
     </p:extLst>
   </p:cSld>
   <p:clrMapOvr>
     <a:masterClrMapping/>
   </p:clrMapOvr>
+  <p:timing>
+    <p:tnLst>
+      <p:par>
+        <p:cTn id="1" dur="indefinite" restart="never" nodeType="tmRoot"/>
+      </p:par>
+    </p:tnLst>
+  </p:timing>
 </p:sld>
 </file>
 
@@ -6308,6 +7242,173 @@
           <a:p>
             <a:r>
               <a:rPr lang="en-US" dirty="0" smtClean="0"/>
+              <a:t>Remaining Issues</a:t>
+            </a:r>
+            <a:endParaRPr lang="en-US" dirty="0"/>
+          </a:p>
+        </p:txBody>
+      </p:sp>
+      <p:sp>
+        <p:nvSpPr>
+          <p:cNvPr id="3" name="Content Placeholder 2"/>
+          <p:cNvSpPr>
+            <a:spLocks noGrp="1"/>
+          </p:cNvSpPr>
+          <p:nvPr>
+            <p:ph idx="1"/>
+          </p:nvPr>
+        </p:nvSpPr>
+        <p:spPr/>
+        <p:txBody>
+          <a:bodyPr/>
+          <a:lstStyle/>
+          <a:p>
+            <a:r>
+              <a:rPr lang="en-US" dirty="0" smtClean="0"/>
+              <a:t>How granular should the comparisons be for CFG-based approach?</a:t>
+            </a:r>
+          </a:p>
+          <a:p>
+            <a:r>
+              <a:rPr lang="en-US" dirty="0" smtClean="0"/>
+              <a:t>Some syntactically different code may be semantically equivalent</a:t>
+            </a:r>
+          </a:p>
+          <a:p>
+            <a:pPr lvl="1"/>
+            <a:r>
+              <a:rPr lang="en-US" dirty="0" smtClean="0"/>
+              <a:t>a &lt; b </a:t>
+            </a:r>
+            <a:r>
+              <a:rPr lang="en-US" dirty="0" smtClean="0">
+                <a:sym typeface="Wingdings" pitchFamily="2" charset="2"/>
+              </a:rPr>
+              <a:t> b &gt; a</a:t>
+            </a:r>
+          </a:p>
+          <a:p>
+            <a:pPr lvl="1"/>
+            <a:r>
+              <a:rPr lang="en-US" dirty="0" smtClean="0">
+                <a:sym typeface="Wingdings" pitchFamily="2" charset="2"/>
+              </a:rPr>
+              <a:t>Ordering of independent statements</a:t>
+            </a:r>
+          </a:p>
+          <a:p>
+            <a:pPr lvl="2"/>
+            <a:r>
+              <a:rPr lang="en-US" dirty="0" smtClean="0">
+                <a:sym typeface="Wingdings" pitchFamily="2" charset="2"/>
+              </a:rPr>
+              <a:t>a = x + y			b = w + z</a:t>
+            </a:r>
+          </a:p>
+          <a:p>
+            <a:pPr marL="777240" lvl="2" indent="0">
+              <a:buNone/>
+            </a:pPr>
+            <a:r>
+              <a:rPr lang="en-US" dirty="0">
+                <a:sym typeface="Wingdings" pitchFamily="2" charset="2"/>
+              </a:rPr>
+              <a:t>	 </a:t>
+            </a:r>
+            <a:r>
+              <a:rPr lang="en-US" dirty="0" smtClean="0">
+                <a:sym typeface="Wingdings" pitchFamily="2" charset="2"/>
+              </a:rPr>
+              <a:t> b = w + z		a = x + y</a:t>
+            </a:r>
+          </a:p>
+          <a:p>
+            <a:r>
+              <a:rPr lang="en-US" dirty="0" smtClean="0">
+                <a:sym typeface="Wingdings" pitchFamily="2" charset="2"/>
+              </a:rPr>
+              <a:t>Not making interprocedural comparisons (points-to analysis)</a:t>
+            </a:r>
+          </a:p>
+        </p:txBody>
+      </p:sp>
+      <p:sp>
+        <p:nvSpPr>
+          <p:cNvPr id="4" name="Slide Number Placeholder 3"/>
+          <p:cNvSpPr>
+            <a:spLocks noGrp="1"/>
+          </p:cNvSpPr>
+          <p:nvPr>
+            <p:ph type="sldNum" sz="quarter" idx="12"/>
+          </p:nvPr>
+        </p:nvSpPr>
+        <p:spPr/>
+        <p:txBody>
+          <a:bodyPr/>
+          <a:lstStyle/>
+          <a:p>
+            <a:fld id="{3AABC387-3E4C-4E29-BE46-EB037DD9B57B}" type="slidenum">
+              <a:rPr lang="en-US" smtClean="0"/>
+              <a:t>15</a:t>
+            </a:fld>
+            <a:endParaRPr lang="en-US"/>
+          </a:p>
+        </p:txBody>
+      </p:sp>
+    </p:spTree>
+    <p:extLst>
+      <p:ext uri="{BB962C8B-B14F-4D97-AF65-F5344CB8AC3E}">
+        <p14:creationId xmlns:p14="http://schemas.microsoft.com/office/powerpoint/2010/main" val="2288261520"/>
+      </p:ext>
+    </p:extLst>
+  </p:cSld>
+  <p:clrMapOvr>
+    <a:masterClrMapping/>
+  </p:clrMapOvr>
+  <p:timing>
+    <p:tnLst>
+      <p:par>
+        <p:cTn id="1" dur="indefinite" restart="never" nodeType="tmRoot"/>
+      </p:par>
+    </p:tnLst>
+  </p:timing>
+</p:sld>
+</file>
+
+<file path=ppt/slides/slide16.xml><?xml version="1.0" encoding="utf-8"?>
+<p:sld xmlns:a="http://schemas.openxmlformats.org/drawingml/2006/main" xmlns:r="http://schemas.openxmlformats.org/officeDocument/2006/relationships" xmlns:p="http://schemas.openxmlformats.org/presentationml/2006/main">
+  <p:cSld>
+    <p:spTree>
+      <p:nvGrpSpPr>
+        <p:cNvPr id="1" name=""/>
+        <p:cNvGrpSpPr/>
+        <p:nvPr/>
+      </p:nvGrpSpPr>
+      <p:grpSpPr>
+        <a:xfrm>
+          <a:off x="0" y="0"/>
+          <a:ext cx="0" cy="0"/>
+          <a:chOff x="0" y="0"/>
+          <a:chExt cx="0" cy="0"/>
+        </a:xfrm>
+      </p:grpSpPr>
+      <p:sp>
+        <p:nvSpPr>
+          <p:cNvPr id="2" name="Title 1"/>
+          <p:cNvSpPr>
+            <a:spLocks noGrp="1"/>
+          </p:cNvSpPr>
+          <p:nvPr>
+            <p:ph type="title"/>
+          </p:nvPr>
+        </p:nvSpPr>
+        <p:spPr/>
+        <p:txBody>
+          <a:bodyPr/>
+          <a:lstStyle/>
+          <a:p>
+            <a:r>
+              <a:rPr lang="en-US" dirty="0" smtClean="0"/>
               <a:t>Future directions</a:t>
             </a:r>
             <a:endParaRPr lang="en-US" dirty="0"/>
@@ -6348,23 +7449,17 @@
               <a:rPr lang="en-US" sz="2800" dirty="0" smtClean="0"/>
               <a:t>Experiment with combined approach</a:t>
             </a:r>
-            <a:endParaRPr lang="en-US" sz="2800" dirty="0" smtClean="0"/>
           </a:p>
           <a:p>
             <a:r>
               <a:rPr lang="en-US" sz="2800" dirty="0" smtClean="0"/>
               <a:t>Build set of incrementally complex test cases</a:t>
             </a:r>
-            <a:endParaRPr lang="en-US" sz="2800" dirty="0" smtClean="0"/>
           </a:p>
           <a:p>
             <a:r>
               <a:rPr lang="en-US" sz="2800" dirty="0" smtClean="0"/>
-              <a:t>Usability </a:t>
-            </a:r>
-            <a:r>
-              <a:rPr lang="en-US" sz="2800" dirty="0" smtClean="0"/>
-              <a:t>studies</a:t>
+              <a:t>Usability studies</a:t>
             </a:r>
           </a:p>
         </p:txBody>
@@ -6386,7 +7481,7 @@
           <a:p>
             <a:fld id="{3AABC387-3E4C-4E29-BE46-EB037DD9B57B}" type="slidenum">
               <a:rPr lang="en-US" smtClean="0"/>
-              <a:t>15</a:t>
+              <a:t>16</a:t>
             </a:fld>
             <a:endParaRPr lang="en-US"/>
           </a:p>
@@ -9872,11 +10967,7 @@
             </a:pPr>
             <a:r>
               <a:rPr lang="en-US" sz="2400" i="1" dirty="0" smtClean="0"/>
-              <a:t>and build a corresponding </a:t>
-            </a:r>
-            <a:r>
-              <a:rPr lang="en-US" sz="2400" i="1" dirty="0" smtClean="0"/>
-              <a:t>model</a:t>
+              <a:t>and build a corresponding model</a:t>
             </a:r>
             <a:endParaRPr lang="en-US" sz="2000" i="1" dirty="0" smtClean="0"/>
           </a:p>
@@ -10422,7 +11513,11 @@
             </a:pPr>
             <a:r>
               <a:rPr lang="en-US" sz="3200" dirty="0" smtClean="0"/>
-              <a:t>Tree/graph-matching problem</a:t>
+              <a:t>Tree-matching </a:t>
+            </a:r>
+            <a:r>
+              <a:rPr lang="en-US" sz="3200" dirty="0" smtClean="0"/>
+              <a:t>problem</a:t>
             </a:r>
           </a:p>
           <a:p>
@@ -10470,10 +11565,119 @@
           </a:p>
         </p:txBody>
       </p:sp>
+      <p:pic>
+        <p:nvPicPr>
+          <p:cNvPr id="5" name="Picture 4" descr="http://vinaytech.files.wordpress.com/2008/10/img3.png"/>
+          <p:cNvPicPr>
+            <a:picLocks noChangeAspect="1" noChangeArrowheads="1"/>
+          </p:cNvPicPr>
+          <p:nvPr/>
+        </p:nvPicPr>
+        <p:blipFill rotWithShape="1">
+          <a:blip r:embed="rId3">
+            <a:extLst>
+              <a:ext uri="{28A0092B-C50C-407E-A947-70E740481C1C}">
+                <a14:useLocalDpi xmlns:a14="http://schemas.microsoft.com/office/drawing/2010/main" val="0"/>
+              </a:ext>
+            </a:extLst>
+          </a:blip>
+          <a:srcRect l="50000"/>
+          <a:stretch/>
+        </p:blipFill>
+        <p:spPr bwMode="auto">
+          <a:xfrm>
+            <a:off x="3065585" y="3505200"/>
+            <a:ext cx="2215036" cy="3219450"/>
+          </a:xfrm>
+          <a:prstGeom prst="rect">
+            <a:avLst/>
+          </a:prstGeom>
+          <a:noFill/>
+          <a:extLst>
+            <a:ext uri="{909E8E84-426E-40DD-AFC4-6F175D3DCCD1}">
+              <a14:hiddenFill xmlns:a14="http://schemas.microsoft.com/office/drawing/2010/main">
+                <a:solidFill>
+                  <a:srgbClr val="FFFFFF"/>
+                </a:solidFill>
+              </a14:hiddenFill>
+            </a:ext>
+          </a:extLst>
+        </p:spPr>
+      </p:pic>
+      <p:cxnSp>
+        <p:nvCxnSpPr>
+          <p:cNvPr id="7" name="Straight Connector 6"/>
+          <p:cNvCxnSpPr/>
+          <p:nvPr/>
+        </p:nvCxnSpPr>
+        <p:spPr>
+          <a:xfrm flipH="1">
+            <a:off x="2971800" y="5334000"/>
+            <a:ext cx="609600" cy="609600"/>
+          </a:xfrm>
+          <a:prstGeom prst="line">
+            <a:avLst/>
+          </a:prstGeom>
+          <a:ln w="38100">
+            <a:solidFill>
+              <a:srgbClr val="FF0000"/>
+            </a:solidFill>
+          </a:ln>
+        </p:spPr>
+        <p:style>
+          <a:lnRef idx="1">
+            <a:schemeClr val="accent1"/>
+          </a:lnRef>
+          <a:fillRef idx="0">
+            <a:schemeClr val="accent1"/>
+          </a:fillRef>
+          <a:effectRef idx="0">
+            <a:schemeClr val="accent1"/>
+          </a:effectRef>
+          <a:fontRef idx="minor">
+            <a:schemeClr val="tx1"/>
+          </a:fontRef>
+        </p:style>
+      </p:cxnSp>
+      <p:cxnSp>
+        <p:nvCxnSpPr>
+          <p:cNvPr id="8" name="Straight Connector 7"/>
+          <p:cNvCxnSpPr/>
+          <p:nvPr/>
+        </p:nvCxnSpPr>
+        <p:spPr>
+          <a:xfrm rot="5400000" flipH="1">
+            <a:off x="2971800" y="5334000"/>
+            <a:ext cx="609600" cy="609600"/>
+          </a:xfrm>
+          <a:prstGeom prst="line">
+            <a:avLst/>
+          </a:prstGeom>
+          <a:ln w="38100">
+            <a:solidFill>
+              <a:srgbClr val="FF0000"/>
+            </a:solidFill>
+          </a:ln>
+        </p:spPr>
+        <p:style>
+          <a:lnRef idx="1">
+            <a:schemeClr val="accent1"/>
+          </a:lnRef>
+          <a:fillRef idx="0">
+            <a:schemeClr val="accent1"/>
+          </a:fillRef>
+          <a:effectRef idx="0">
+            <a:schemeClr val="accent1"/>
+          </a:effectRef>
+          <a:fontRef idx="minor">
+            <a:schemeClr val="tx1"/>
+          </a:fontRef>
+        </p:style>
+      </p:cxnSp>
     </p:spTree>
     <p:extLst>
       <p:ext uri="{BB962C8B-B14F-4D97-AF65-F5344CB8AC3E}">
-        <p14:creationId xmlns:p14="http://schemas.microsoft.com/office/powerpoint/2010/main" val="1345256749"/>
+        <p14:creationId xmlns:p14="http://schemas.microsoft.com/office/powerpoint/2010/main" val="4080481659"/>
       </p:ext>
     </p:extLst>
   </p:cSld>
@@ -10543,23 +11747,14 @@
         <p:spPr>
           <a:xfrm>
             <a:off x="3276600" y="1219200"/>
-            <a:ext cx="4800600" cy="5181600"/>
+            <a:ext cx="4800600" cy="3048000"/>
           </a:xfrm>
         </p:spPr>
         <p:txBody>
           <a:bodyPr>
-            <a:normAutofit lnSpcReduction="10000"/>
+            <a:normAutofit/>
           </a:bodyPr>
           <a:lstStyle/>
-          <a:p>
-            <a:pPr marL="114300" indent="0">
-              <a:buNone/>
-            </a:pPr>
-            <a:r>
-              <a:rPr lang="en-US" dirty="0" smtClean="0"/>
-              <a:t>- IR of Java code</a:t>
-            </a:r>
-          </a:p>
           <a:p>
             <a:pPr>
               <a:buFontTx/>
@@ -10567,7 +11762,15 @@
             </a:pPr>
             <a:r>
               <a:rPr lang="en-US" dirty="0" smtClean="0"/>
-              <a:t>Used to spot out semantic differences</a:t>
+              <a:t>IR </a:t>
+            </a:r>
+            <a:r>
+              <a:rPr lang="en-US" dirty="0" smtClean="0"/>
+              <a:t>of Java </a:t>
+            </a:r>
+            <a:r>
+              <a:rPr lang="en-US" dirty="0" smtClean="0"/>
+              <a:t>code</a:t>
             </a:r>
           </a:p>
           <a:p>
@@ -10577,25 +11780,11 @@
             </a:pPr>
             <a:r>
               <a:rPr lang="en-US" dirty="0" smtClean="0"/>
-              <a:t>Two passes: first is to find similarly structures/control flows between user code and target code, second is to locate area + type of differences</a:t>
-            </a:r>
-          </a:p>
-          <a:p>
-            <a:pPr>
-              <a:buFontTx/>
-              <a:buChar char="-"/>
-            </a:pPr>
+              <a:t>Converted </a:t>
+            </a:r>
             <a:r>
               <a:rPr lang="en-US" dirty="0" smtClean="0"/>
-              <a:t>Converted to a tree to benefit from performance gains of </a:t>
-            </a:r>
-            <a:r>
-              <a:rPr lang="en-US" dirty="0" err="1" smtClean="0"/>
-              <a:t>pq</a:t>
-            </a:r>
-            <a:r>
-              <a:rPr lang="en-US" dirty="0" smtClean="0"/>
-              <a:t>-gram</a:t>
+              <a:t>to a tree to benefit from performance gains of pq-gram</a:t>
             </a:r>
           </a:p>
           <a:p>
@@ -10620,7 +11809,11 @@
             </a:pPr>
             <a:r>
               <a:rPr lang="en-US" dirty="0" smtClean="0"/>
-              <a:t>- IR conversion is one-directional; recommendations are based off of the IR, not the source.</a:t>
+              <a:t>- IR conversion is </a:t>
+            </a:r>
+            <a:r>
+              <a:rPr lang="en-US" dirty="0" smtClean="0"/>
+              <a:t>one-directional; recommendations are based off of the IR, not the source.</a:t>
             </a:r>
             <a:endParaRPr lang="en-US" dirty="0"/>
           </a:p>
@@ -10783,6 +11976,414 @@
           </a:p>
         </p:txBody>
       </p:sp>
+      <mc:AlternateContent xmlns:mc="http://schemas.openxmlformats.org/markup-compatibility/2006">
+        <mc:Choice xmlns:a14="http://schemas.microsoft.com/office/drawing/2010/main" Requires="a14">
+          <p:sp>
+            <p:nvSpPr>
+              <p:cNvPr id="5" name="TextBox 4"/>
+              <p:cNvSpPr txBox="1"/>
+              <p:nvPr/>
+            </p:nvSpPr>
+            <p:spPr>
+              <a:xfrm>
+                <a:off x="3581400" y="4606409"/>
+                <a:ext cx="2024529" cy="2031325"/>
+              </a:xfrm>
+              <a:prstGeom prst="rect">
+                <a:avLst/>
+              </a:prstGeom>
+              <a:noFill/>
+            </p:spPr>
+            <p:txBody>
+              <a:bodyPr wrap="none" rtlCol="0">
+                <a:spAutoFit/>
+              </a:bodyPr>
+              <a:lstStyle/>
+              <a:p>
+                <a:pPr/>
+                <a14:m>
+                  <m:oMathPara xmlns:m="http://schemas.openxmlformats.org/officeDocument/2006/math">
+                    <m:oMathParaPr>
+                      <m:jc m:val="left"/>
+                    </m:oMathParaPr>
+                    <m:oMath xmlns:m="http://schemas.openxmlformats.org/officeDocument/2006/math">
+                      <m:sSub>
+                        <m:sSubPr>
+                          <m:ctrlPr>
+                            <a:rPr lang="en-US" i="1" smtClean="0">
+                              <a:latin typeface="Cambria Math"/>
+                            </a:rPr>
+                          </m:ctrlPr>
+                        </m:sSubPr>
+                        <m:e>
+                          <m:r>
+                            <a:rPr lang="en-US" b="0" i="1" smtClean="0">
+                              <a:latin typeface="Cambria Math"/>
+                            </a:rPr>
+                            <m:t>𝑃</m:t>
+                          </m:r>
+                        </m:e>
+                        <m:sub>
+                          <m:r>
+                            <a:rPr lang="en-US" b="0" i="1" smtClean="0">
+                              <a:latin typeface="Cambria Math"/>
+                            </a:rPr>
+                            <m:t>𝑠</m:t>
+                          </m:r>
+                        </m:sub>
+                      </m:sSub>
+                    </m:oMath>
+                  </m:oMathPara>
+                </a14:m>
+                <a:endParaRPr lang="en-US" b="0" dirty="0" smtClean="0"/>
+              </a:p>
+              <a:p>
+                <a:endParaRPr lang="en-US" b="0" dirty="0" smtClean="0"/>
+              </a:p>
+              <a:p>
+                <a:pPr/>
+                <a14:m>
+                  <m:oMathPara xmlns:m="http://schemas.openxmlformats.org/officeDocument/2006/math">
+                    <m:oMathParaPr>
+                      <m:jc m:val="left"/>
+                    </m:oMathParaPr>
+                    <m:oMath xmlns:m="http://schemas.openxmlformats.org/officeDocument/2006/math">
+                      <m:sSub>
+                        <m:sSubPr>
+                          <m:ctrlPr>
+                            <a:rPr lang="en-US" i="1" smtClean="0">
+                              <a:latin typeface="Cambria Math"/>
+                            </a:rPr>
+                          </m:ctrlPr>
+                        </m:sSubPr>
+                        <m:e>
+                          <m:r>
+                            <a:rPr lang="en-US" b="0" i="1" smtClean="0">
+                              <a:latin typeface="Cambria Math"/>
+                            </a:rPr>
+                            <m:t>𝑃</m:t>
+                          </m:r>
+                        </m:e>
+                        <m:sub>
+                          <m:r>
+                            <a:rPr lang="en-US" b="0" i="1" smtClean="0">
+                              <a:latin typeface="Cambria Math"/>
+                            </a:rPr>
+                            <m:t>𝑖</m:t>
+                          </m:r>
+                        </m:sub>
+                      </m:sSub>
+                      <m:r>
+                        <a:rPr lang="en-US" b="0" i="1" smtClean="0">
+                          <a:latin typeface="Cambria Math"/>
+                        </a:rPr>
+                        <m:t>  =  </m:t>
+                      </m:r>
+                      <m:r>
+                        <a:rPr lang="en-US" b="0" i="1" smtClean="0">
+                          <a:latin typeface="Cambria Math"/>
+                        </a:rPr>
+                        <m:t>𝑆𝑜𝑜𝑡</m:t>
+                      </m:r>
+                      <m:d>
+                        <m:dPr>
+                          <m:ctrlPr>
+                            <a:rPr lang="en-US" b="0" i="1" smtClean="0">
+                              <a:latin typeface="Cambria Math"/>
+                            </a:rPr>
+                          </m:ctrlPr>
+                        </m:dPr>
+                        <m:e>
+                          <m:sSub>
+                            <m:sSubPr>
+                              <m:ctrlPr>
+                                <a:rPr lang="en-US" b="0" i="1" smtClean="0">
+                                  <a:latin typeface="Cambria Math"/>
+                                </a:rPr>
+                              </m:ctrlPr>
+                            </m:sSubPr>
+                            <m:e>
+                              <m:r>
+                                <a:rPr lang="en-US" b="0" i="1" smtClean="0">
+                                  <a:latin typeface="Cambria Math"/>
+                                </a:rPr>
+                                <m:t>𝑃</m:t>
+                              </m:r>
+                            </m:e>
+                            <m:sub>
+                              <m:r>
+                                <a:rPr lang="en-US" b="0" i="1" smtClean="0">
+                                  <a:latin typeface="Cambria Math"/>
+                                </a:rPr>
+                                <m:t>𝑠</m:t>
+                              </m:r>
+                            </m:sub>
+                          </m:sSub>
+                        </m:e>
+                      </m:d>
+                    </m:oMath>
+                  </m:oMathPara>
+                </a14:m>
+                <a:endParaRPr lang="en-US" b="0" dirty="0" smtClean="0"/>
+              </a:p>
+              <a:p>
+                <a:endParaRPr lang="en-US" b="0" dirty="0" smtClean="0"/>
+              </a:p>
+              <a:p>
+                <a:pPr/>
+                <a14:m>
+                  <m:oMathPara xmlns:m="http://schemas.openxmlformats.org/officeDocument/2006/math">
+                    <m:oMathParaPr>
+                      <m:jc m:val="left"/>
+                    </m:oMathParaPr>
+                    <m:oMath xmlns:m="http://schemas.openxmlformats.org/officeDocument/2006/math">
+                      <m:sSub>
+                        <m:sSubPr>
+                          <m:ctrlPr>
+                            <a:rPr lang="en-US" i="1" smtClean="0">
+                              <a:latin typeface="Cambria Math"/>
+                            </a:rPr>
+                          </m:ctrlPr>
+                        </m:sSubPr>
+                        <m:e>
+                          <m:r>
+                            <a:rPr lang="en-US" b="0" i="1" smtClean="0">
+                              <a:latin typeface="Cambria Math"/>
+                            </a:rPr>
+                            <m:t>𝑃</m:t>
+                          </m:r>
+                          <m:r>
+                            <a:rPr lang="en-US" b="0" i="1" smtClean="0">
+                              <a:latin typeface="Cambria Math"/>
+                            </a:rPr>
+                            <m:t>′</m:t>
+                          </m:r>
+                        </m:e>
+                        <m:sub>
+                          <m:r>
+                            <a:rPr lang="en-US" b="0" i="1" smtClean="0">
+                              <a:latin typeface="Cambria Math"/>
+                            </a:rPr>
+                            <m:t>𝑠</m:t>
+                          </m:r>
+                        </m:sub>
+                      </m:sSub>
+                      <m:r>
+                        <a:rPr lang="en-US" b="0" i="1" smtClean="0">
+                          <a:latin typeface="Cambria Math"/>
+                        </a:rPr>
+                        <m:t>=</m:t>
+                      </m:r>
+                      <m:sSup>
+                        <m:sSupPr>
+                          <m:ctrlPr>
+                            <a:rPr lang="en-US" b="0" i="1" smtClean="0">
+                              <a:latin typeface="Cambria Math"/>
+                            </a:rPr>
+                          </m:ctrlPr>
+                        </m:sSupPr>
+                        <m:e>
+                          <m:r>
+                            <a:rPr lang="en-US" b="0" i="1" smtClean="0">
+                              <a:latin typeface="Cambria Math"/>
+                            </a:rPr>
+                            <m:t>  </m:t>
+                          </m:r>
+                          <m:r>
+                            <a:rPr lang="en-US" b="0" i="1" smtClean="0">
+                              <a:latin typeface="Cambria Math"/>
+                            </a:rPr>
+                            <m:t>𝑆𝑜𝑜𝑡</m:t>
+                          </m:r>
+                        </m:e>
+                        <m:sup>
+                          <m:r>
+                            <a:rPr lang="en-US" b="0" i="1" smtClean="0">
+                              <a:latin typeface="Cambria Math"/>
+                            </a:rPr>
+                            <m:t>−1</m:t>
+                          </m:r>
+                        </m:sup>
+                      </m:sSup>
+                      <m:d>
+                        <m:dPr>
+                          <m:ctrlPr>
+                            <a:rPr lang="en-US" b="0" i="1" smtClean="0">
+                              <a:latin typeface="Cambria Math"/>
+                            </a:rPr>
+                          </m:ctrlPr>
+                        </m:dPr>
+                        <m:e>
+                          <m:sSub>
+                            <m:sSubPr>
+                              <m:ctrlPr>
+                                <a:rPr lang="en-US" b="0" i="1" smtClean="0">
+                                  <a:latin typeface="Cambria Math"/>
+                                </a:rPr>
+                              </m:ctrlPr>
+                            </m:sSubPr>
+                            <m:e>
+                              <m:r>
+                                <a:rPr lang="en-US" b="0" i="1" smtClean="0">
+                                  <a:latin typeface="Cambria Math"/>
+                                </a:rPr>
+                                <m:t>𝑃</m:t>
+                              </m:r>
+                            </m:e>
+                            <m:sub>
+                              <m:r>
+                                <a:rPr lang="en-US" b="0" i="1" smtClean="0">
+                                  <a:latin typeface="Cambria Math"/>
+                                </a:rPr>
+                                <m:t>𝑖</m:t>
+                              </m:r>
+                            </m:sub>
+                          </m:sSub>
+                        </m:e>
+                      </m:d>
+                    </m:oMath>
+                  </m:oMathPara>
+                </a14:m>
+                <a:endParaRPr lang="en-US" b="0" dirty="0" smtClean="0"/>
+              </a:p>
+              <a:p>
+                <a:endParaRPr lang="en-US" b="0" dirty="0" smtClean="0"/>
+              </a:p>
+              <a:p>
+                <a:pPr/>
+                <a14:m>
+                  <m:oMathPara xmlns:m="http://schemas.openxmlformats.org/officeDocument/2006/math">
+                    <m:oMathParaPr>
+                      <m:jc m:val="left"/>
+                    </m:oMathParaPr>
+                    <m:oMath xmlns:m="http://schemas.openxmlformats.org/officeDocument/2006/math">
+                      <m:sSub>
+                        <m:sSubPr>
+                          <m:ctrlPr>
+                            <a:rPr lang="en-US" b="0" i="1" smtClean="0">
+                              <a:latin typeface="Cambria Math"/>
+                            </a:rPr>
+                          </m:ctrlPr>
+                        </m:sSubPr>
+                        <m:e>
+                          <m:r>
+                            <a:rPr lang="en-US" b="0" i="1" smtClean="0">
+                              <a:latin typeface="Cambria Math"/>
+                            </a:rPr>
+                            <m:t>𝑃</m:t>
+                          </m:r>
+                        </m:e>
+                        <m:sub>
+                          <m:r>
+                            <a:rPr lang="en-US" b="0" i="1" smtClean="0">
+                              <a:latin typeface="Cambria Math"/>
+                            </a:rPr>
+                            <m:t>𝑠</m:t>
+                          </m:r>
+                        </m:sub>
+                      </m:sSub>
+                      <m:r>
+                        <a:rPr lang="en-US" b="0" i="1" smtClean="0">
+                          <a:latin typeface="Cambria Math"/>
+                        </a:rPr>
+                        <m:t>  </m:t>
+                      </m:r>
+                      <m:r>
+                        <a:rPr lang="en-US" b="0" i="1" smtClean="0">
+                          <a:latin typeface="Cambria Math"/>
+                          <a:ea typeface="Cambria Math"/>
+                        </a:rPr>
+                        <m:t>≠ </m:t>
+                      </m:r>
+                      <m:sSub>
+                        <m:sSubPr>
+                          <m:ctrlPr>
+                            <a:rPr lang="en-US" b="0" i="1" smtClean="0">
+                              <a:latin typeface="Cambria Math"/>
+                              <a:ea typeface="Cambria Math"/>
+                            </a:rPr>
+                          </m:ctrlPr>
+                        </m:sSubPr>
+                        <m:e>
+                          <m:r>
+                            <a:rPr lang="en-US" b="0" i="1" smtClean="0">
+                              <a:latin typeface="Cambria Math"/>
+                              <a:ea typeface="Cambria Math"/>
+                            </a:rPr>
+                            <m:t> </m:t>
+                          </m:r>
+                          <m:r>
+                            <a:rPr lang="en-US" b="0" i="1" smtClean="0">
+                              <a:latin typeface="Cambria Math"/>
+                              <a:ea typeface="Cambria Math"/>
+                            </a:rPr>
+                            <m:t>𝑃</m:t>
+                          </m:r>
+                          <m:r>
+                            <a:rPr lang="en-US" b="0" i="1" smtClean="0">
+                              <a:latin typeface="Cambria Math"/>
+                              <a:ea typeface="Cambria Math"/>
+                            </a:rPr>
+                            <m:t>′</m:t>
+                          </m:r>
+                        </m:e>
+                        <m:sub>
+                          <m:r>
+                            <a:rPr lang="en-US" b="0" i="1" smtClean="0">
+                              <a:latin typeface="Cambria Math"/>
+                              <a:ea typeface="Cambria Math"/>
+                            </a:rPr>
+                            <m:t>𝑠</m:t>
+                          </m:r>
+                        </m:sub>
+                      </m:sSub>
+                    </m:oMath>
+                  </m:oMathPara>
+                </a14:m>
+                <a:endParaRPr lang="en-US" b="0" dirty="0" smtClean="0"/>
+              </a:p>
+            </p:txBody>
+          </p:sp>
+        </mc:Choice>
+        <mc:Fallback>
+          <p:sp>
+            <p:nvSpPr>
+              <p:cNvPr id="5" name="TextBox 4"/>
+              <p:cNvSpPr txBox="1">
+                <a:spLocks noRot="1" noChangeAspect="1" noMove="1" noResize="1" noEditPoints="1" noAdjustHandles="1" noChangeArrowheads="1" noChangeShapeType="1" noTextEdit="1"/>
+              </p:cNvSpPr>
+              <p:nvPr/>
+            </p:nvSpPr>
+            <p:spPr>
+              <a:xfrm>
+                <a:off x="3581400" y="4606409"/>
+                <a:ext cx="2024529" cy="2031325"/>
+              </a:xfrm>
+              <a:prstGeom prst="rect">
+                <a:avLst/>
+              </a:prstGeom>
+              <a:blipFill rotWithShape="1">
+                <a:blip r:embed="rId4"/>
+                <a:stretch>
+                  <a:fillRect/>
+                </a:stretch>
+              </a:blipFill>
+            </p:spPr>
+            <p:txBody>
+              <a:bodyPr/>
+              <a:lstStyle/>
+              <a:p>
+                <a:r>
+                  <a:rPr lang="en-US">
+                    <a:noFill/>
+                  </a:rPr>
+                  <a:t> </a:t>
+                </a:r>
+              </a:p>
+            </p:txBody>
+          </p:sp>
+        </mc:Fallback>
+      </mc:AlternateContent>
     </p:spTree>
     <p:extLst>
       <p:ext uri="{BB962C8B-B14F-4D97-AF65-F5344CB8AC3E}">
@@ -10793,6 +12394,13 @@
   <p:clrMapOvr>
     <a:masterClrMapping/>
   </p:clrMapOvr>
+  <p:timing>
+    <p:tnLst>
+      <p:par>
+        <p:cTn id="1" dur="indefinite" restart="never" nodeType="tmRoot"/>
+      </p:par>
+    </p:tnLst>
+  </p:timing>
 </p:sld>
 </file>
 
@@ -10830,38 +12438,7 @@
           <a:p>
             <a:r>
               <a:rPr lang="en-US" dirty="0" smtClean="0"/>
-              <a:t>CFG Demonstration</a:t>
-            </a:r>
-            <a:endParaRPr lang="en-US" dirty="0"/>
-          </a:p>
-        </p:txBody>
-      </p:sp>
-      <p:sp>
-        <p:nvSpPr>
-          <p:cNvPr id="3" name="Content Placeholder 2"/>
-          <p:cNvSpPr>
-            <a:spLocks noGrp="1"/>
-          </p:cNvSpPr>
-          <p:nvPr>
-            <p:ph idx="1"/>
-          </p:nvPr>
-        </p:nvSpPr>
-        <p:spPr/>
-        <p:txBody>
-          <a:bodyPr/>
-          <a:lstStyle/>
-          <a:p>
-            <a:r>
-              <a:rPr lang="en-US" dirty="0" smtClean="0"/>
-              <a:t>Add short source code and </a:t>
-            </a:r>
-            <a:r>
-              <a:rPr lang="en-US" dirty="0" err="1" smtClean="0"/>
-              <a:t>Jimple</a:t>
-            </a:r>
-            <a:r>
-              <a:rPr lang="en-US" dirty="0" smtClean="0"/>
-              <a:t> representation</a:t>
+              <a:t>CFG Conversion</a:t>
             </a:r>
             <a:endParaRPr lang="en-US" dirty="0"/>
           </a:p>
@@ -10890,16 +12467,386 @@
           </a:p>
         </p:txBody>
       </p:sp>
+      <p:pic>
+        <p:nvPicPr>
+          <p:cNvPr id="1026" name="Picture 2"/>
+          <p:cNvPicPr>
+            <a:picLocks noChangeAspect="1" noChangeArrowheads="1"/>
+          </p:cNvPicPr>
+          <p:nvPr/>
+        </p:nvPicPr>
+        <p:blipFill>
+          <a:blip r:embed="rId3">
+            <a:extLst>
+              <a:ext uri="{28A0092B-C50C-407E-A947-70E740481C1C}">
+                <a14:useLocalDpi xmlns:a14="http://schemas.microsoft.com/office/drawing/2010/main" val="0"/>
+              </a:ext>
+            </a:extLst>
+          </a:blip>
+          <a:srcRect/>
+          <a:stretch>
+            <a:fillRect/>
+          </a:stretch>
+        </p:blipFill>
+        <p:spPr bwMode="auto">
+          <a:xfrm>
+            <a:off x="519112" y="1285875"/>
+            <a:ext cx="2933700" cy="704850"/>
+          </a:xfrm>
+          <a:prstGeom prst="rect">
+            <a:avLst/>
+          </a:prstGeom>
+          <a:noFill/>
+          <a:ln>
+            <a:noFill/>
+          </a:ln>
+          <a:effectLst/>
+          <a:extLst>
+            <a:ext uri="{909E8E84-426E-40DD-AFC4-6F175D3DCCD1}">
+              <a14:hiddenFill xmlns:a14="http://schemas.microsoft.com/office/drawing/2010/main">
+                <a:solidFill>
+                  <a:schemeClr val="accent1"/>
+                </a:solidFill>
+              </a14:hiddenFill>
+            </a:ext>
+            <a:ext uri="{91240B29-F687-4F45-9708-019B960494DF}">
+              <a14:hiddenLine xmlns:a14="http://schemas.microsoft.com/office/drawing/2010/main" w="9525">
+                <a:solidFill>
+                  <a:schemeClr val="tx1"/>
+                </a:solidFill>
+                <a:miter lim="800000"/>
+                <a:headEnd/>
+                <a:tailEnd/>
+              </a14:hiddenLine>
+            </a:ext>
+            <a:ext uri="{AF507438-7753-43E0-B8FC-AC1667EBCBE1}">
+              <a14:hiddenEffects xmlns:a14="http://schemas.microsoft.com/office/drawing/2010/main">
+                <a:effectLst>
+                  <a:outerShdw dist="35921" dir="2700000" algn="ctr" rotWithShape="0">
+                    <a:schemeClr val="bg2"/>
+                  </a:outerShdw>
+                </a:effectLst>
+              </a14:hiddenEffects>
+            </a:ext>
+          </a:extLst>
+        </p:spPr>
+      </p:pic>
+      <p:pic>
+        <p:nvPicPr>
+          <p:cNvPr id="8" name="Picture 4"/>
+          <p:cNvPicPr>
+            <a:picLocks noChangeAspect="1" noChangeArrowheads="1"/>
+          </p:cNvPicPr>
+          <p:nvPr/>
+        </p:nvPicPr>
+        <p:blipFill>
+          <a:blip r:embed="rId4">
+            <a:extLst>
+              <a:ext uri="{28A0092B-C50C-407E-A947-70E740481C1C}">
+                <a14:useLocalDpi xmlns:a14="http://schemas.microsoft.com/office/drawing/2010/main" val="0"/>
+              </a:ext>
+            </a:extLst>
+          </a:blip>
+          <a:srcRect/>
+          <a:stretch>
+            <a:fillRect/>
+          </a:stretch>
+        </p:blipFill>
+        <p:spPr bwMode="auto">
+          <a:xfrm>
+            <a:off x="5524499" y="1143000"/>
+            <a:ext cx="2066925" cy="990600"/>
+          </a:xfrm>
+          <a:prstGeom prst="rect">
+            <a:avLst/>
+          </a:prstGeom>
+          <a:noFill/>
+          <a:ln>
+            <a:noFill/>
+          </a:ln>
+          <a:effectLst/>
+          <a:extLst>
+            <a:ext uri="{909E8E84-426E-40DD-AFC4-6F175D3DCCD1}">
+              <a14:hiddenFill xmlns:a14="http://schemas.microsoft.com/office/drawing/2010/main">
+                <a:solidFill>
+                  <a:schemeClr val="accent1"/>
+                </a:solidFill>
+              </a14:hiddenFill>
+            </a:ext>
+            <a:ext uri="{91240B29-F687-4F45-9708-019B960494DF}">
+              <a14:hiddenLine xmlns:a14="http://schemas.microsoft.com/office/drawing/2010/main" w="9525">
+                <a:solidFill>
+                  <a:schemeClr val="tx1"/>
+                </a:solidFill>
+                <a:miter lim="800000"/>
+                <a:headEnd/>
+                <a:tailEnd/>
+              </a14:hiddenLine>
+            </a:ext>
+            <a:ext uri="{AF507438-7753-43E0-B8FC-AC1667EBCBE1}">
+              <a14:hiddenEffects xmlns:a14="http://schemas.microsoft.com/office/drawing/2010/main">
+                <a:effectLst>
+                  <a:outerShdw dist="35921" dir="2700000" algn="ctr" rotWithShape="0">
+                    <a:schemeClr val="bg2"/>
+                  </a:outerShdw>
+                </a:effectLst>
+              </a14:hiddenEffects>
+            </a:ext>
+          </a:extLst>
+        </p:spPr>
+      </p:pic>
+      <p:pic>
+        <p:nvPicPr>
+          <p:cNvPr id="1029" name="Picture 5"/>
+          <p:cNvPicPr>
+            <a:picLocks noChangeAspect="1" noChangeArrowheads="1"/>
+          </p:cNvPicPr>
+          <p:nvPr/>
+        </p:nvPicPr>
+        <p:blipFill>
+          <a:blip r:embed="rId5">
+            <a:extLst>
+              <a:ext uri="{28A0092B-C50C-407E-A947-70E740481C1C}">
+                <a14:useLocalDpi xmlns:a14="http://schemas.microsoft.com/office/drawing/2010/main" val="0"/>
+              </a:ext>
+            </a:extLst>
+          </a:blip>
+          <a:srcRect/>
+          <a:stretch>
+            <a:fillRect/>
+          </a:stretch>
+        </p:blipFill>
+        <p:spPr bwMode="auto">
+          <a:xfrm>
+            <a:off x="152400" y="2895600"/>
+            <a:ext cx="3667125" cy="3838575"/>
+          </a:xfrm>
+          <a:prstGeom prst="rect">
+            <a:avLst/>
+          </a:prstGeom>
+          <a:noFill/>
+          <a:ln>
+            <a:noFill/>
+          </a:ln>
+          <a:effectLst/>
+          <a:extLst>
+            <a:ext uri="{909E8E84-426E-40DD-AFC4-6F175D3DCCD1}">
+              <a14:hiddenFill xmlns:a14="http://schemas.microsoft.com/office/drawing/2010/main">
+                <a:solidFill>
+                  <a:schemeClr val="accent1"/>
+                </a:solidFill>
+              </a14:hiddenFill>
+            </a:ext>
+            <a:ext uri="{91240B29-F687-4F45-9708-019B960494DF}">
+              <a14:hiddenLine xmlns:a14="http://schemas.microsoft.com/office/drawing/2010/main" w="9525">
+                <a:solidFill>
+                  <a:schemeClr val="tx1"/>
+                </a:solidFill>
+                <a:miter lim="800000"/>
+                <a:headEnd/>
+                <a:tailEnd/>
+              </a14:hiddenLine>
+            </a:ext>
+            <a:ext uri="{AF507438-7753-43E0-B8FC-AC1667EBCBE1}">
+              <a14:hiddenEffects xmlns:a14="http://schemas.microsoft.com/office/drawing/2010/main">
+                <a:effectLst>
+                  <a:outerShdw dist="35921" dir="2700000" algn="ctr" rotWithShape="0">
+                    <a:schemeClr val="bg2"/>
+                  </a:outerShdw>
+                </a:effectLst>
+              </a14:hiddenEffects>
+            </a:ext>
+          </a:extLst>
+        </p:spPr>
+      </p:pic>
+      <p:pic>
+        <p:nvPicPr>
+          <p:cNvPr id="1030" name="Picture 6"/>
+          <p:cNvPicPr>
+            <a:picLocks noChangeAspect="1" noChangeArrowheads="1"/>
+          </p:cNvPicPr>
+          <p:nvPr/>
+        </p:nvPicPr>
+        <p:blipFill>
+          <a:blip r:embed="rId6">
+            <a:extLst>
+              <a:ext uri="{28A0092B-C50C-407E-A947-70E740481C1C}">
+                <a14:useLocalDpi xmlns:a14="http://schemas.microsoft.com/office/drawing/2010/main" val="0"/>
+              </a:ext>
+            </a:extLst>
+          </a:blip>
+          <a:srcRect/>
+          <a:stretch>
+            <a:fillRect/>
+          </a:stretch>
+        </p:blipFill>
+        <p:spPr bwMode="auto">
+          <a:xfrm>
+            <a:off x="4724400" y="2952749"/>
+            <a:ext cx="3667125" cy="3724275"/>
+          </a:xfrm>
+          <a:prstGeom prst="rect">
+            <a:avLst/>
+          </a:prstGeom>
+          <a:noFill/>
+          <a:ln>
+            <a:noFill/>
+          </a:ln>
+          <a:effectLst/>
+          <a:extLst>
+            <a:ext uri="{909E8E84-426E-40DD-AFC4-6F175D3DCCD1}">
+              <a14:hiddenFill xmlns:a14="http://schemas.microsoft.com/office/drawing/2010/main">
+                <a:solidFill>
+                  <a:schemeClr val="accent1"/>
+                </a:solidFill>
+              </a14:hiddenFill>
+            </a:ext>
+            <a:ext uri="{91240B29-F687-4F45-9708-019B960494DF}">
+              <a14:hiddenLine xmlns:a14="http://schemas.microsoft.com/office/drawing/2010/main" w="9525">
+                <a:solidFill>
+                  <a:schemeClr val="tx1"/>
+                </a:solidFill>
+                <a:miter lim="800000"/>
+                <a:headEnd/>
+                <a:tailEnd/>
+              </a14:hiddenLine>
+            </a:ext>
+            <a:ext uri="{AF507438-7753-43E0-B8FC-AC1667EBCBE1}">
+              <a14:hiddenEffects xmlns:a14="http://schemas.microsoft.com/office/drawing/2010/main">
+                <a:effectLst>
+                  <a:outerShdw dist="35921" dir="2700000" algn="ctr" rotWithShape="0">
+                    <a:schemeClr val="bg2"/>
+                  </a:outerShdw>
+                </a:effectLst>
+              </a14:hiddenEffects>
+            </a:ext>
+          </a:extLst>
+        </p:spPr>
+      </p:pic>
+      <p:cxnSp>
+        <p:nvCxnSpPr>
+          <p:cNvPr id="10" name="Straight Arrow Connector 9"/>
+          <p:cNvCxnSpPr>
+            <a:stCxn id="1026" idx="2"/>
+            <a:endCxn id="1029" idx="0"/>
+          </p:cNvCxnSpPr>
+          <p:nvPr/>
+        </p:nvCxnSpPr>
+        <p:spPr>
+          <a:xfrm>
+            <a:off x="1985962" y="1990725"/>
+            <a:ext cx="1" cy="904875"/>
+          </a:xfrm>
+          <a:prstGeom prst="straightConnector1">
+            <a:avLst/>
+          </a:prstGeom>
+          <a:ln>
+            <a:tailEnd type="arrow"/>
+          </a:ln>
+        </p:spPr>
+        <p:style>
+          <a:lnRef idx="3">
+            <a:schemeClr val="accent1"/>
+          </a:lnRef>
+          <a:fillRef idx="0">
+            <a:schemeClr val="accent1"/>
+          </a:fillRef>
+          <a:effectRef idx="2">
+            <a:schemeClr val="accent1"/>
+          </a:effectRef>
+          <a:fontRef idx="minor">
+            <a:schemeClr val="tx1"/>
+          </a:fontRef>
+        </p:style>
+      </p:cxnSp>
+      <p:cxnSp>
+        <p:nvCxnSpPr>
+          <p:cNvPr id="12" name="Straight Arrow Connector 11"/>
+          <p:cNvCxnSpPr>
+            <a:stCxn id="8" idx="2"/>
+            <a:endCxn id="1030" idx="0"/>
+          </p:cNvCxnSpPr>
+          <p:nvPr/>
+        </p:nvCxnSpPr>
+        <p:spPr>
+          <a:xfrm>
+            <a:off x="6557962" y="2133600"/>
+            <a:ext cx="1" cy="819149"/>
+          </a:xfrm>
+          <a:prstGeom prst="straightConnector1">
+            <a:avLst/>
+          </a:prstGeom>
+          <a:ln>
+            <a:tailEnd type="arrow"/>
+          </a:ln>
+        </p:spPr>
+        <p:style>
+          <a:lnRef idx="3">
+            <a:schemeClr val="accent1"/>
+          </a:lnRef>
+          <a:fillRef idx="0">
+            <a:schemeClr val="accent1"/>
+          </a:fillRef>
+          <a:effectRef idx="2">
+            <a:schemeClr val="accent1"/>
+          </a:effectRef>
+          <a:fontRef idx="minor">
+            <a:schemeClr val="tx1"/>
+          </a:fontRef>
+        </p:style>
+      </p:cxnSp>
+      <p:cxnSp>
+        <p:nvCxnSpPr>
+          <p:cNvPr id="15" name="Straight Connector 14"/>
+          <p:cNvCxnSpPr/>
+          <p:nvPr/>
+        </p:nvCxnSpPr>
+        <p:spPr>
+          <a:xfrm>
+            <a:off x="914400" y="5603632"/>
+            <a:ext cx="304800" cy="0"/>
+          </a:xfrm>
+          <a:prstGeom prst="line">
+            <a:avLst/>
+          </a:prstGeom>
+          <a:ln>
+            <a:solidFill>
+              <a:srgbClr val="FF0000"/>
+            </a:solidFill>
+          </a:ln>
+        </p:spPr>
+        <p:style>
+          <a:lnRef idx="2">
+            <a:schemeClr val="accent3"/>
+          </a:lnRef>
+          <a:fillRef idx="0">
+            <a:schemeClr val="accent3"/>
+          </a:fillRef>
+          <a:effectRef idx="1">
+            <a:schemeClr val="accent3"/>
+          </a:effectRef>
+          <a:fontRef idx="minor">
+            <a:schemeClr val="tx1"/>
+          </a:fontRef>
+        </p:style>
+      </p:cxnSp>
     </p:spTree>
     <p:extLst>
       <p:ext uri="{BB962C8B-B14F-4D97-AF65-F5344CB8AC3E}">
-        <p14:creationId xmlns:p14="http://schemas.microsoft.com/office/powerpoint/2010/main" val="1144264356"/>
+        <p14:creationId xmlns:p14="http://schemas.microsoft.com/office/powerpoint/2010/main" val="1821468269"/>
       </p:ext>
     </p:extLst>
   </p:cSld>
   <p:clrMapOvr>
     <a:masterClrMapping/>
   </p:clrMapOvr>
+  <p:timing>
+    <p:tnLst>
+      <p:par>
+        <p:cTn id="1" dur="indefinite" restart="never" nodeType="tmRoot"/>
+      </p:par>
+    </p:tnLst>
+  </p:timing>
 </p:sld>
 </file>
 
